--- a/Presentazione.pptx
+++ b/Presentazione.pptx
@@ -15,7 +15,7 @@
     <p:sldId id="258" r:id="rId6"/>
     <p:sldId id="311" r:id="rId7"/>
     <p:sldId id="313" r:id="rId8"/>
-    <p:sldId id="282" r:id="rId9"/>
+    <p:sldId id="326" r:id="rId9"/>
     <p:sldId id="315" r:id="rId10"/>
     <p:sldId id="314" r:id="rId11"/>
     <p:sldId id="321" r:id="rId12"/>
@@ -227,7 +227,7 @@
           <a:p>
             <a:fld id="{1BE83274-B678-44EA-BAF4-0AA32708275B}" type="datetimeFigureOut">
               <a:rPr lang="it-IT" smtClean="0"/>
-              <a:t>14/07/2023</a:t>
+              <a:t>17/07/2023</a:t>
             </a:fld>
             <a:endParaRPr lang="it-IT"/>
           </a:p>
@@ -637,7 +637,7 @@
           <a:p>
             <a:fld id="{1D8BD707-D9CF-40AE-B4C6-C98DA3205C09}" type="datetimeFigureOut">
               <a:rPr lang="en-US"/>
-              <a:t>7/14/2023</a:t>
+              <a:t>7/17/2023</a:t>
             </a:fld>
             <a:endParaRPr lang="en-US"/>
           </a:p>
@@ -814,7 +814,7 @@
           <a:p>
             <a:fld id="{1D8BD707-D9CF-40AE-B4C6-C98DA3205C09}" type="datetimeFigureOut">
               <a:rPr lang="en-US"/>
-              <a:t>7/14/2023</a:t>
+              <a:t>7/17/2023</a:t>
             </a:fld>
             <a:endParaRPr lang="en-US"/>
           </a:p>
@@ -1028,7 +1028,7 @@
           <a:p>
             <a:fld id="{1D8BD707-D9CF-40AE-B4C6-C98DA3205C09}" type="datetimeFigureOut">
               <a:rPr lang="en-US"/>
-              <a:t>7/14/2023</a:t>
+              <a:t>7/17/2023</a:t>
             </a:fld>
             <a:endParaRPr lang="en-US"/>
           </a:p>
@@ -1176,7 +1176,7 @@
           <a:p>
             <a:fld id="{1D8BD707-D9CF-40AE-B4C6-C98DA3205C09}" type="datetimeFigureOut">
               <a:rPr lang="en-US"/>
-              <a:t>7/14/2023</a:t>
+              <a:t>7/17/2023</a:t>
             </a:fld>
             <a:endParaRPr lang="en-US"/>
           </a:p>
@@ -1295,7 +1295,7 @@
           <a:p>
             <a:fld id="{1D8BD707-D9CF-40AE-B4C6-C98DA3205C09}" type="datetimeFigureOut">
               <a:rPr lang="en-US"/>
-              <a:t>7/14/2023</a:t>
+              <a:t>7/17/2023</a:t>
             </a:fld>
             <a:endParaRPr lang="en-US"/>
           </a:p>
@@ -1592,7 +1592,7 @@
           <a:p>
             <a:fld id="{1D8BD707-D9CF-40AE-B4C6-C98DA3205C09}" type="datetimeFigureOut">
               <a:rPr lang="en-US"/>
-              <a:t>7/14/2023</a:t>
+              <a:t>7/17/2023</a:t>
             </a:fld>
             <a:endParaRPr lang="en-US"/>
           </a:p>
@@ -2104,63 +2104,186 @@
           </a:p>
         </p:txBody>
       </p:sp>
-      <p:sp>
-        <p:nvSpPr>
-          <p:cNvPr id="3" name="Segnaposto testo 2">
+      <p:pic>
+        <p:nvPicPr>
+          <p:cNvPr id="6" name="Immagine 5">
             <a:extLst>
               <a:ext uri="{FF2B5EF4-FFF2-40B4-BE49-F238E27FC236}">
-                <a16:creationId xmlns:a16="http://schemas.microsoft.com/office/drawing/2014/main" id="{31694F71-4418-6177-EA70-856A063E0D4D}"/>
+                <a16:creationId xmlns:a16="http://schemas.microsoft.com/office/drawing/2014/main" id="{AE29C7F9-5340-D5B2-32F9-8780536E1713}"/>
               </a:ext>
             </a:extLst>
           </p:cNvPr>
-          <p:cNvSpPr>
-            <a:spLocks noGrp="1"/>
-          </p:cNvSpPr>
-          <p:nvPr>
-            <p:ph type="body" idx="1"/>
-          </p:nvPr>
-        </p:nvSpPr>
-        <p:spPr>
-          <a:xfrm>
-            <a:off x="914400" y="2057400"/>
-            <a:ext cx="8001000" cy="369332"/>
-          </a:xfrm>
-        </p:spPr>
-        <p:txBody>
-          <a:bodyPr/>
-          <a:lstStyle/>
-          <a:p>
-            <a:pPr marL="285750" indent="-285750" algn="l">
-              <a:spcAft>
-                <a:spcPts val="2400"/>
-              </a:spcAft>
-              <a:buFont typeface="Arial" panose="020B0604020202020204" pitchFamily="34" charset="0"/>
-              <a:buChar char="•"/>
-            </a:pPr>
-            <a:r>
-              <a:rPr lang="it-IT" kern="1200" dirty="0">
-                <a:latin typeface="Arial"/>
-                <a:cs typeface="Arial"/>
-              </a:rPr>
-              <a:t>DA mettere </a:t>
-            </a:r>
-            <a:r>
-              <a:rPr lang="it-IT" kern="1200" dirty="0" err="1">
-                <a:latin typeface="Arial"/>
-                <a:cs typeface="Arial"/>
-              </a:rPr>
-              <a:t>eq</a:t>
-            </a:r>
-            <a:r>
-              <a:rPr lang="it-IT" kern="1200" dirty="0">
-                <a:latin typeface="Arial"/>
-                <a:cs typeface="Arial"/>
-              </a:rPr>
-              <a:t>.</a:t>
-            </a:r>
-          </a:p>
-        </p:txBody>
-      </p:sp>
+          <p:cNvPicPr>
+            <a:picLocks noChangeAspect="1"/>
+          </p:cNvPicPr>
+          <p:nvPr/>
+        </p:nvPicPr>
+        <p:blipFill>
+          <a:blip r:embed="rId2"/>
+          <a:stretch>
+            <a:fillRect/>
+          </a:stretch>
+        </p:blipFill>
+        <p:spPr>
+          <a:xfrm>
+            <a:off x="879346" y="3403650"/>
+            <a:ext cx="4427604" cy="1158340"/>
+          </a:xfrm>
+          <a:prstGeom prst="rect">
+            <a:avLst/>
+          </a:prstGeom>
+        </p:spPr>
+      </p:pic>
+      <p:pic>
+        <p:nvPicPr>
+          <p:cNvPr id="10" name="Immagine 9">
+            <a:extLst>
+              <a:ext uri="{FF2B5EF4-FFF2-40B4-BE49-F238E27FC236}">
+                <a16:creationId xmlns:a16="http://schemas.microsoft.com/office/drawing/2014/main" id="{26072CA4-1836-9A01-1031-91771EA8D6D7}"/>
+              </a:ext>
+            </a:extLst>
+          </p:cNvPr>
+          <p:cNvPicPr>
+            <a:picLocks noChangeAspect="1"/>
+          </p:cNvPicPr>
+          <p:nvPr/>
+        </p:nvPicPr>
+        <p:blipFill>
+          <a:blip r:embed="rId3"/>
+          <a:stretch>
+            <a:fillRect/>
+          </a:stretch>
+        </p:blipFill>
+        <p:spPr>
+          <a:xfrm>
+            <a:off x="1031759" y="4594848"/>
+            <a:ext cx="4122777" cy="1486029"/>
+          </a:xfrm>
+          <a:prstGeom prst="rect">
+            <a:avLst/>
+          </a:prstGeom>
+        </p:spPr>
+      </p:pic>
+      <p:pic>
+        <p:nvPicPr>
+          <p:cNvPr id="12" name="Immagine 11">
+            <a:extLst>
+              <a:ext uri="{FF2B5EF4-FFF2-40B4-BE49-F238E27FC236}">
+                <a16:creationId xmlns:a16="http://schemas.microsoft.com/office/drawing/2014/main" id="{21FCC849-6E78-938C-7F21-56277C0A55C9}"/>
+              </a:ext>
+            </a:extLst>
+          </p:cNvPr>
+          <p:cNvPicPr>
+            <a:picLocks noChangeAspect="1"/>
+          </p:cNvPicPr>
+          <p:nvPr/>
+        </p:nvPicPr>
+        <p:blipFill>
+          <a:blip r:embed="rId4"/>
+          <a:stretch>
+            <a:fillRect/>
+          </a:stretch>
+        </p:blipFill>
+        <p:spPr>
+          <a:xfrm>
+            <a:off x="5380516" y="4514921"/>
+            <a:ext cx="2842506" cy="1371719"/>
+          </a:xfrm>
+          <a:prstGeom prst="rect">
+            <a:avLst/>
+          </a:prstGeom>
+        </p:spPr>
+      </p:pic>
+      <p:pic>
+        <p:nvPicPr>
+          <p:cNvPr id="14" name="Immagine 13">
+            <a:extLst>
+              <a:ext uri="{FF2B5EF4-FFF2-40B4-BE49-F238E27FC236}">
+                <a16:creationId xmlns:a16="http://schemas.microsoft.com/office/drawing/2014/main" id="{0BDEBB23-7576-6A3C-69CB-FF25E59C664E}"/>
+              </a:ext>
+            </a:extLst>
+          </p:cNvPr>
+          <p:cNvPicPr>
+            <a:picLocks noChangeAspect="1"/>
+          </p:cNvPicPr>
+          <p:nvPr/>
+        </p:nvPicPr>
+        <p:blipFill>
+          <a:blip r:embed="rId5"/>
+          <a:stretch>
+            <a:fillRect/>
+          </a:stretch>
+        </p:blipFill>
+        <p:spPr>
+          <a:xfrm>
+            <a:off x="8296588" y="4244297"/>
+            <a:ext cx="3589331" cy="701101"/>
+          </a:xfrm>
+          <a:prstGeom prst="rect">
+            <a:avLst/>
+          </a:prstGeom>
+        </p:spPr>
+      </p:pic>
+      <p:pic>
+        <p:nvPicPr>
+          <p:cNvPr id="18" name="Immagine 17">
+            <a:extLst>
+              <a:ext uri="{FF2B5EF4-FFF2-40B4-BE49-F238E27FC236}">
+                <a16:creationId xmlns:a16="http://schemas.microsoft.com/office/drawing/2014/main" id="{421D9252-436E-B3EB-626F-3595694671FF}"/>
+              </a:ext>
+            </a:extLst>
+          </p:cNvPr>
+          <p:cNvPicPr>
+            <a:picLocks noChangeAspect="1"/>
+          </p:cNvPicPr>
+          <p:nvPr/>
+        </p:nvPicPr>
+        <p:blipFill>
+          <a:blip r:embed="rId6"/>
+          <a:stretch>
+            <a:fillRect/>
+          </a:stretch>
+        </p:blipFill>
+        <p:spPr>
+          <a:xfrm>
+            <a:off x="879346" y="1015983"/>
+            <a:ext cx="9091448" cy="2080440"/>
+          </a:xfrm>
+          <a:prstGeom prst="rect">
+            <a:avLst/>
+          </a:prstGeom>
+        </p:spPr>
+      </p:pic>
+      <p:pic>
+        <p:nvPicPr>
+          <p:cNvPr id="20" name="Immagine 19">
+            <a:extLst>
+              <a:ext uri="{FF2B5EF4-FFF2-40B4-BE49-F238E27FC236}">
+                <a16:creationId xmlns:a16="http://schemas.microsoft.com/office/drawing/2014/main" id="{C67929D6-0717-0C68-683C-071BC0E14742}"/>
+              </a:ext>
+            </a:extLst>
+          </p:cNvPr>
+          <p:cNvPicPr>
+            <a:picLocks noChangeAspect="1"/>
+          </p:cNvPicPr>
+          <p:nvPr/>
+        </p:nvPicPr>
+        <p:blipFill>
+          <a:blip r:embed="rId7"/>
+          <a:stretch>
+            <a:fillRect/>
+          </a:stretch>
+        </p:blipFill>
+        <p:spPr>
+          <a:xfrm>
+            <a:off x="8582011" y="5007693"/>
+            <a:ext cx="2606266" cy="823031"/>
+          </a:xfrm>
+          <a:prstGeom prst="rect">
+            <a:avLst/>
+          </a:prstGeom>
+        </p:spPr>
+      </p:pic>
     </p:spTree>
     <p:extLst>
       <p:ext uri="{BB962C8B-B14F-4D97-AF65-F5344CB8AC3E}">
@@ -2284,6 +2407,126 @@
           </a:p>
         </p:txBody>
       </p:sp>
+      <p:pic>
+        <p:nvPicPr>
+          <p:cNvPr id="5" name="Immagine 4">
+            <a:extLst>
+              <a:ext uri="{FF2B5EF4-FFF2-40B4-BE49-F238E27FC236}">
+                <a16:creationId xmlns:a16="http://schemas.microsoft.com/office/drawing/2014/main" id="{12220262-DB64-A419-6F2B-AC771D6626B8}"/>
+              </a:ext>
+            </a:extLst>
+          </p:cNvPr>
+          <p:cNvPicPr>
+            <a:picLocks noChangeAspect="1"/>
+          </p:cNvPicPr>
+          <p:nvPr/>
+        </p:nvPicPr>
+        <p:blipFill>
+          <a:blip r:embed="rId2"/>
+          <a:stretch>
+            <a:fillRect/>
+          </a:stretch>
+        </p:blipFill>
+        <p:spPr>
+          <a:xfrm>
+            <a:off x="1037439" y="1219200"/>
+            <a:ext cx="9312447" cy="1828958"/>
+          </a:xfrm>
+          <a:prstGeom prst="rect">
+            <a:avLst/>
+          </a:prstGeom>
+        </p:spPr>
+      </p:pic>
+      <p:pic>
+        <p:nvPicPr>
+          <p:cNvPr id="7" name="Immagine 6">
+            <a:extLst>
+              <a:ext uri="{FF2B5EF4-FFF2-40B4-BE49-F238E27FC236}">
+                <a16:creationId xmlns:a16="http://schemas.microsoft.com/office/drawing/2014/main" id="{E7C72E9F-E12C-C984-FCBA-1FB3DF1543FC}"/>
+              </a:ext>
+            </a:extLst>
+          </p:cNvPr>
+          <p:cNvPicPr>
+            <a:picLocks noChangeAspect="1"/>
+          </p:cNvPicPr>
+          <p:nvPr/>
+        </p:nvPicPr>
+        <p:blipFill>
+          <a:blip r:embed="rId3"/>
+          <a:stretch>
+            <a:fillRect/>
+          </a:stretch>
+        </p:blipFill>
+        <p:spPr>
+          <a:xfrm>
+            <a:off x="1219200" y="3245819"/>
+            <a:ext cx="1082134" cy="1356478"/>
+          </a:xfrm>
+          <a:prstGeom prst="rect">
+            <a:avLst/>
+          </a:prstGeom>
+        </p:spPr>
+      </p:pic>
+      <p:pic>
+        <p:nvPicPr>
+          <p:cNvPr id="9" name="Immagine 8">
+            <a:extLst>
+              <a:ext uri="{FF2B5EF4-FFF2-40B4-BE49-F238E27FC236}">
+                <a16:creationId xmlns:a16="http://schemas.microsoft.com/office/drawing/2014/main" id="{52FDC305-1986-138F-E0EA-3CE39C406F16}"/>
+              </a:ext>
+            </a:extLst>
+          </p:cNvPr>
+          <p:cNvPicPr>
+            <a:picLocks noChangeAspect="1"/>
+          </p:cNvPicPr>
+          <p:nvPr/>
+        </p:nvPicPr>
+        <p:blipFill>
+          <a:blip r:embed="rId4"/>
+          <a:stretch>
+            <a:fillRect/>
+          </a:stretch>
+        </p:blipFill>
+        <p:spPr>
+          <a:xfrm>
+            <a:off x="2971800" y="3752593"/>
+            <a:ext cx="1577477" cy="342930"/>
+          </a:xfrm>
+          <a:prstGeom prst="rect">
+            <a:avLst/>
+          </a:prstGeom>
+        </p:spPr>
+      </p:pic>
+      <p:pic>
+        <p:nvPicPr>
+          <p:cNvPr id="11" name="Immagine 10">
+            <a:extLst>
+              <a:ext uri="{FF2B5EF4-FFF2-40B4-BE49-F238E27FC236}">
+                <a16:creationId xmlns:a16="http://schemas.microsoft.com/office/drawing/2014/main" id="{A82E627B-1831-CDF3-9161-336BC3F42D36}"/>
+              </a:ext>
+            </a:extLst>
+          </p:cNvPr>
+          <p:cNvPicPr>
+            <a:picLocks noChangeAspect="1"/>
+          </p:cNvPicPr>
+          <p:nvPr/>
+        </p:nvPicPr>
+        <p:blipFill>
+          <a:blip r:embed="rId5"/>
+          <a:stretch>
+            <a:fillRect/>
+          </a:stretch>
+        </p:blipFill>
+        <p:spPr>
+          <a:xfrm>
+            <a:off x="4857761" y="3752593"/>
+            <a:ext cx="723963" cy="251482"/>
+          </a:xfrm>
+          <a:prstGeom prst="rect">
+            <a:avLst/>
+          </a:prstGeom>
+        </p:spPr>
+      </p:pic>
     </p:spTree>
     <p:extLst>
       <p:ext uri="{BB962C8B-B14F-4D97-AF65-F5344CB8AC3E}">
@@ -2564,8 +2807,8 @@
           </a:p>
         </p:txBody>
       </p:sp>
-      <mc:AlternateContent xmlns:mc="http://schemas.openxmlformats.org/markup-compatibility/2006">
-        <mc:Choice xmlns:a14="http://schemas.microsoft.com/office/drawing/2010/main" Requires="a14">
+      <mc:AlternateContent xmlns:mc="http://schemas.openxmlformats.org/markup-compatibility/2006" xmlns:a14="http://schemas.microsoft.com/office/drawing/2010/main">
+        <mc:Choice Requires="a14">
           <p:sp>
             <p:nvSpPr>
               <p:cNvPr id="3" name="Segnaposto testo 2">
@@ -2632,7 +2875,7 @@
             </p:txBody>
           </p:sp>
         </mc:Choice>
-        <mc:Fallback>
+        <mc:Fallback xmlns="">
           <p:sp>
             <p:nvSpPr>
               <p:cNvPr id="3" name="Segnaposto testo 2">
@@ -2676,8 +2919,8 @@
           </p:sp>
         </mc:Fallback>
       </mc:AlternateContent>
-      <mc:AlternateContent xmlns:mc="http://schemas.openxmlformats.org/markup-compatibility/2006">
-        <mc:Choice xmlns:a14="http://schemas.microsoft.com/office/drawing/2010/main" Requires="a14">
+      <mc:AlternateContent xmlns:mc="http://schemas.openxmlformats.org/markup-compatibility/2006" xmlns:a14="http://schemas.microsoft.com/office/drawing/2010/main">
+        <mc:Choice Requires="a14">
           <p:sp>
             <p:nvSpPr>
               <p:cNvPr id="4" name="CasellaDiTesto 3">
@@ -2985,7 +3228,7 @@
             </p:txBody>
           </p:sp>
         </mc:Choice>
-        <mc:Fallback>
+        <mc:Fallback xmlns="">
           <p:sp>
             <p:nvSpPr>
               <p:cNvPr id="4" name="CasellaDiTesto 3">
@@ -5495,67 +5738,40 @@
           </a:p>
         </p:txBody>
       </p:sp>
-      <p:sp>
-        <p:nvSpPr>
-          <p:cNvPr id="3" name="Segnaposto testo 2">
+      <p:pic>
+        <p:nvPicPr>
+          <p:cNvPr id="9" name="Immagine 8">
             <a:extLst>
               <a:ext uri="{FF2B5EF4-FFF2-40B4-BE49-F238E27FC236}">
-                <a16:creationId xmlns:a16="http://schemas.microsoft.com/office/drawing/2014/main" id="{31694F71-4418-6177-EA70-856A063E0D4D}"/>
+                <a16:creationId xmlns:a16="http://schemas.microsoft.com/office/drawing/2014/main" id="{62947069-1062-7D40-023C-6FCC5974FBB9}"/>
               </a:ext>
             </a:extLst>
           </p:cNvPr>
-          <p:cNvSpPr>
-            <a:spLocks noGrp="1"/>
-          </p:cNvSpPr>
-          <p:nvPr>
-            <p:ph type="body" idx="1"/>
-          </p:nvPr>
-        </p:nvSpPr>
-        <p:spPr>
-          <a:xfrm>
-            <a:off x="914400" y="2057400"/>
-            <a:ext cx="8001000" cy="369332"/>
-          </a:xfrm>
-        </p:spPr>
-        <p:txBody>
-          <a:bodyPr/>
-          <a:lstStyle/>
-          <a:p>
-            <a:pPr marL="285750" indent="-285750" algn="l">
-              <a:spcAft>
-                <a:spcPts val="2400"/>
-              </a:spcAft>
-              <a:buFont typeface="Arial" panose="020B0604020202020204" pitchFamily="34" charset="0"/>
-              <a:buChar char="•"/>
-            </a:pPr>
-            <a:r>
-              <a:rPr lang="it-IT" kern="1200" dirty="0">
-                <a:latin typeface="Arial"/>
-                <a:cs typeface="Arial"/>
-              </a:rPr>
-              <a:t>DA mettere </a:t>
-            </a:r>
-            <a:r>
-              <a:rPr lang="it-IT" kern="1200" dirty="0" err="1">
-                <a:latin typeface="Arial"/>
-                <a:cs typeface="Arial"/>
-              </a:rPr>
-              <a:t>eq</a:t>
-            </a:r>
-            <a:r>
-              <a:rPr lang="it-IT" kern="1200" dirty="0">
-                <a:latin typeface="Arial"/>
-                <a:cs typeface="Arial"/>
-              </a:rPr>
-              <a:t>.</a:t>
-            </a:r>
-          </a:p>
-        </p:txBody>
-      </p:sp>
+          <p:cNvPicPr>
+            <a:picLocks noChangeAspect="1"/>
+          </p:cNvPicPr>
+          <p:nvPr/>
+        </p:nvPicPr>
+        <p:blipFill>
+          <a:blip r:embed="rId2"/>
+          <a:stretch>
+            <a:fillRect/>
+          </a:stretch>
+        </p:blipFill>
+        <p:spPr>
+          <a:xfrm>
+            <a:off x="1676400" y="1981200"/>
+            <a:ext cx="9114310" cy="1661304"/>
+          </a:xfrm>
+          <a:prstGeom prst="rect">
+            <a:avLst/>
+          </a:prstGeom>
+        </p:spPr>
+      </p:pic>
     </p:spTree>
     <p:extLst>
       <p:ext uri="{BB962C8B-B14F-4D97-AF65-F5344CB8AC3E}">
-        <p14:creationId xmlns:p14="http://schemas.microsoft.com/office/powerpoint/2010/main" val="1056791235"/>
+        <p14:creationId xmlns:p14="http://schemas.microsoft.com/office/powerpoint/2010/main" val="3574247822"/>
       </p:ext>
     </p:extLst>
   </p:cSld>
@@ -5620,61 +5836,299 @@
       </p:sp>
       <p:sp>
         <p:nvSpPr>
-          <p:cNvPr id="3" name="Segnaposto testo 2">
+          <p:cNvPr id="9" name="CasellaDiTesto 8">
             <a:extLst>
               <a:ext uri="{FF2B5EF4-FFF2-40B4-BE49-F238E27FC236}">
-                <a16:creationId xmlns:a16="http://schemas.microsoft.com/office/drawing/2014/main" id="{31694F71-4418-6177-EA70-856A063E0D4D}"/>
+                <a16:creationId xmlns:a16="http://schemas.microsoft.com/office/drawing/2014/main" id="{A6255A20-92E3-9A75-F179-7C2019632E67}"/>
               </a:ext>
             </a:extLst>
           </p:cNvPr>
-          <p:cNvSpPr>
-            <a:spLocks noGrp="1"/>
-          </p:cNvSpPr>
-          <p:nvPr>
-            <p:ph type="body" idx="1"/>
-          </p:nvPr>
+          <p:cNvSpPr txBox="1"/>
+          <p:nvPr/>
         </p:nvSpPr>
         <p:spPr>
           <a:xfrm>
-            <a:off x="914400" y="2057400"/>
-            <a:ext cx="8001000" cy="369332"/>
-          </a:xfrm>
+            <a:off x="842263" y="1447800"/>
+            <a:ext cx="5334000" cy="369332"/>
+          </a:xfrm>
+          <a:prstGeom prst="rect">
+            <a:avLst/>
+          </a:prstGeom>
+          <a:noFill/>
         </p:spPr>
         <p:txBody>
-          <a:bodyPr/>
+          <a:bodyPr wrap="square" rtlCol="0">
+            <a:spAutoFit/>
+          </a:bodyPr>
           <a:lstStyle/>
           <a:p>
-            <a:pPr marL="285750" indent="-285750" algn="l">
-              <a:spcAft>
-                <a:spcPts val="2400"/>
-              </a:spcAft>
-              <a:buFont typeface="Arial" panose="020B0604020202020204" pitchFamily="34" charset="0"/>
-              <a:buChar char="•"/>
-            </a:pPr>
-            <a:r>
-              <a:rPr lang="it-IT" kern="1200" dirty="0">
-                <a:latin typeface="Arial"/>
-                <a:cs typeface="Arial"/>
-              </a:rPr>
-              <a:t>DA mettere </a:t>
-            </a:r>
-            <a:r>
-              <a:rPr lang="it-IT" kern="1200" dirty="0" err="1">
-                <a:latin typeface="Arial"/>
-                <a:cs typeface="Arial"/>
-              </a:rPr>
-              <a:t>eq</a:t>
-            </a:r>
-            <a:r>
-              <a:rPr lang="it-IT" kern="1200" dirty="0">
-                <a:latin typeface="Arial"/>
-                <a:cs typeface="Arial"/>
-              </a:rPr>
-              <a:t>.</a:t>
+            <a:r>
+              <a:rPr lang="it-IT" dirty="0"/>
+              <a:t>Si vuole controllare il sistema nel punto di equilibrio:</a:t>
             </a:r>
           </a:p>
         </p:txBody>
       </p:sp>
+      <mc:AlternateContent xmlns:mc="http://schemas.openxmlformats.org/markup-compatibility/2006">
+        <mc:Choice xmlns:a14="http://schemas.microsoft.com/office/drawing/2010/main" Requires="a14">
+          <p:sp>
+            <p:nvSpPr>
+              <p:cNvPr id="12" name="CasellaDiTesto 11">
+                <a:extLst>
+                  <a:ext uri="{FF2B5EF4-FFF2-40B4-BE49-F238E27FC236}">
+                    <a16:creationId xmlns:a16="http://schemas.microsoft.com/office/drawing/2014/main" id="{182314B8-BFF1-8E7B-EEE8-CEB008FD715E}"/>
+                  </a:ext>
+                </a:extLst>
+              </p:cNvPr>
+              <p:cNvSpPr txBox="1"/>
+              <p:nvPr/>
+            </p:nvSpPr>
+            <p:spPr>
+              <a:xfrm>
+                <a:off x="847342" y="2438400"/>
+                <a:ext cx="6010657" cy="369332"/>
+              </a:xfrm>
+              <a:prstGeom prst="rect">
+                <a:avLst/>
+              </a:prstGeom>
+              <a:noFill/>
+            </p:spPr>
+            <p:txBody>
+              <a:bodyPr wrap="square" rtlCol="0">
+                <a:spAutoFit/>
+              </a:bodyPr>
+              <a:lstStyle/>
+              <a:p>
+                <a:r>
+                  <a:rPr lang="en-GB" dirty="0"/>
+                  <a:t>L</a:t>
+                </a:r>
+                <a:r>
+                  <a:rPr lang="it-IT" dirty="0"/>
+                  <a:t>’ingresso di equilibrio </a:t>
+                </a:r>
+                <a14:m>
+                  <m:oMath xmlns:m="http://schemas.openxmlformats.org/officeDocument/2006/math">
+                    <m:acc>
+                      <m:accPr>
+                        <m:chr m:val="̅"/>
+                        <m:ctrlPr>
+                          <a:rPr lang="en-GB" b="0" i="1" smtClean="0">
+                            <a:latin typeface="Cambria Math" panose="02040503050406030204" pitchFamily="18" charset="0"/>
+                          </a:rPr>
+                        </m:ctrlPr>
+                      </m:accPr>
+                      <m:e>
+                        <m:sSub>
+                          <m:sSubPr>
+                            <m:ctrlPr>
+                              <a:rPr lang="en-GB" b="0" i="1" smtClean="0">
+                                <a:latin typeface="Cambria Math" panose="02040503050406030204" pitchFamily="18" charset="0"/>
+                              </a:rPr>
+                            </m:ctrlPr>
+                          </m:sSubPr>
+                          <m:e>
+                            <m:r>
+                              <a:rPr lang="en-GB" b="0" i="1" smtClean="0">
+                                <a:latin typeface="Cambria Math" panose="02040503050406030204" pitchFamily="18" charset="0"/>
+                              </a:rPr>
+                              <m:t>𝑇</m:t>
+                            </m:r>
+                          </m:e>
+                          <m:sub>
+                            <m:r>
+                              <a:rPr lang="en-GB" b="0" i="1" smtClean="0">
+                                <a:latin typeface="Cambria Math" panose="02040503050406030204" pitchFamily="18" charset="0"/>
+                              </a:rPr>
+                              <m:t>𝑟</m:t>
+                            </m:r>
+                          </m:sub>
+                        </m:sSub>
+                      </m:e>
+                    </m:acc>
+                  </m:oMath>
+                </a14:m>
+                <a:r>
+                  <a:rPr lang="it-IT" dirty="0"/>
+                  <a:t> si ottiene dalla terza equazione:</a:t>
+                </a:r>
+              </a:p>
+            </p:txBody>
+          </p:sp>
+        </mc:Choice>
+        <mc:Fallback>
+          <p:sp>
+            <p:nvSpPr>
+              <p:cNvPr id="12" name="CasellaDiTesto 11">
+                <a:extLst>
+                  <a:ext uri="{FF2B5EF4-FFF2-40B4-BE49-F238E27FC236}">
+                    <a16:creationId xmlns:a16="http://schemas.microsoft.com/office/drawing/2014/main" id="{182314B8-BFF1-8E7B-EEE8-CEB008FD715E}"/>
+                  </a:ext>
+                </a:extLst>
+              </p:cNvPr>
+              <p:cNvSpPr txBox="1">
+                <a:spLocks noRot="1" noChangeAspect="1" noMove="1" noResize="1" noEditPoints="1" noAdjustHandles="1" noChangeArrowheads="1" noChangeShapeType="1" noTextEdit="1"/>
+              </p:cNvSpPr>
+              <p:nvPr/>
+            </p:nvSpPr>
+            <p:spPr>
+              <a:xfrm>
+                <a:off x="847342" y="2438400"/>
+                <a:ext cx="6010657" cy="369332"/>
+              </a:xfrm>
+              <a:prstGeom prst="rect">
+                <a:avLst/>
+              </a:prstGeom>
+              <a:blipFill>
+                <a:blip r:embed="rId2"/>
+                <a:stretch>
+                  <a:fillRect l="-811" t="-8197" b="-24590"/>
+                </a:stretch>
+              </a:blipFill>
+            </p:spPr>
+            <p:txBody>
+              <a:bodyPr/>
+              <a:lstStyle/>
+              <a:p>
+                <a:r>
+                  <a:rPr lang="it-IT">
+                    <a:noFill/>
+                  </a:rPr>
+                  <a:t> </a:t>
+                </a:r>
+              </a:p>
+            </p:txBody>
+          </p:sp>
+        </mc:Fallback>
+      </mc:AlternateContent>
+      <p:pic>
+        <p:nvPicPr>
+          <p:cNvPr id="16" name="Immagine 15">
+            <a:extLst>
+              <a:ext uri="{FF2B5EF4-FFF2-40B4-BE49-F238E27FC236}">
+                <a16:creationId xmlns:a16="http://schemas.microsoft.com/office/drawing/2014/main" id="{ACA1B1F1-A521-63AE-EC89-D8D0A9AF1A7F}"/>
+              </a:ext>
+            </a:extLst>
+          </p:cNvPr>
+          <p:cNvPicPr>
+            <a:picLocks noChangeAspect="1"/>
+          </p:cNvPicPr>
+          <p:nvPr/>
+        </p:nvPicPr>
+        <p:blipFill>
+          <a:blip r:embed="rId3"/>
+          <a:stretch>
+            <a:fillRect/>
+          </a:stretch>
+        </p:blipFill>
+        <p:spPr>
+          <a:xfrm>
+            <a:off x="6477000" y="2984043"/>
+            <a:ext cx="2941575" cy="784928"/>
+          </a:xfrm>
+          <a:prstGeom prst="rect">
+            <a:avLst/>
+          </a:prstGeom>
+        </p:spPr>
+      </p:pic>
+      <p:sp>
+        <p:nvSpPr>
+          <p:cNvPr id="17" name="CasellaDiTesto 16">
+            <a:extLst>
+              <a:ext uri="{FF2B5EF4-FFF2-40B4-BE49-F238E27FC236}">
+                <a16:creationId xmlns:a16="http://schemas.microsoft.com/office/drawing/2014/main" id="{427774D8-A596-EEB9-4B80-BCD52D968CA3}"/>
+              </a:ext>
+            </a:extLst>
+          </p:cNvPr>
+          <p:cNvSpPr txBox="1"/>
+          <p:nvPr/>
+        </p:nvSpPr>
+        <p:spPr>
+          <a:xfrm>
+            <a:off x="842263" y="3680937"/>
+            <a:ext cx="6010657" cy="646331"/>
+          </a:xfrm>
+          <a:prstGeom prst="rect">
+            <a:avLst/>
+          </a:prstGeom>
+          <a:noFill/>
+        </p:spPr>
+        <p:txBody>
+          <a:bodyPr wrap="square" rtlCol="0">
+            <a:spAutoFit/>
+          </a:bodyPr>
+          <a:lstStyle/>
+          <a:p>
+            <a:r>
+              <a:rPr lang="en-GB" dirty="0"/>
+              <a:t>Da cui:</a:t>
+            </a:r>
+          </a:p>
+          <a:p>
+            <a:endParaRPr lang="it-IT" dirty="0"/>
+          </a:p>
+        </p:txBody>
+      </p:sp>
+      <p:pic>
+        <p:nvPicPr>
+          <p:cNvPr id="21" name="Immagine 20">
+            <a:extLst>
+              <a:ext uri="{FF2B5EF4-FFF2-40B4-BE49-F238E27FC236}">
+                <a16:creationId xmlns:a16="http://schemas.microsoft.com/office/drawing/2014/main" id="{84B4FB87-DEB0-0ADC-2CE9-AD88C7AE784F}"/>
+              </a:ext>
+            </a:extLst>
+          </p:cNvPr>
+          <p:cNvPicPr>
+            <a:picLocks noChangeAspect="1"/>
+          </p:cNvPicPr>
+          <p:nvPr/>
+        </p:nvPicPr>
+        <p:blipFill>
+          <a:blip r:embed="rId4"/>
+          <a:stretch>
+            <a:fillRect/>
+          </a:stretch>
+        </p:blipFill>
+        <p:spPr>
+          <a:xfrm>
+            <a:off x="6477000" y="900882"/>
+            <a:ext cx="2781541" cy="1463167"/>
+          </a:xfrm>
+          <a:prstGeom prst="rect">
+            <a:avLst/>
+          </a:prstGeom>
+        </p:spPr>
+      </p:pic>
+      <p:pic>
+        <p:nvPicPr>
+          <p:cNvPr id="23" name="Immagine 22">
+            <a:extLst>
+              <a:ext uri="{FF2B5EF4-FFF2-40B4-BE49-F238E27FC236}">
+                <a16:creationId xmlns:a16="http://schemas.microsoft.com/office/drawing/2014/main" id="{5552E3D9-88B9-12AC-C05B-168F361985BC}"/>
+              </a:ext>
+            </a:extLst>
+          </p:cNvPr>
+          <p:cNvPicPr>
+            <a:picLocks noChangeAspect="1"/>
+          </p:cNvPicPr>
+          <p:nvPr/>
+        </p:nvPicPr>
+        <p:blipFill>
+          <a:blip r:embed="rId5"/>
+          <a:stretch>
+            <a:fillRect/>
+          </a:stretch>
+        </p:blipFill>
+        <p:spPr>
+          <a:xfrm>
+            <a:off x="6705600" y="4113889"/>
+            <a:ext cx="1531753" cy="426757"/>
+          </a:xfrm>
+          <a:prstGeom prst="rect">
+            <a:avLst/>
+          </a:prstGeom>
+        </p:spPr>
+      </p:pic>
     </p:spTree>
     <p:extLst>
       <p:ext uri="{BB962C8B-B14F-4D97-AF65-F5344CB8AC3E}">

--- a/Presentazione.pptx
+++ b/Presentazione.pptx
@@ -5,7 +5,7 @@
     <p:sldMasterId id="2147483648" r:id="rId1"/>
   </p:sldMasterIdLst>
   <p:notesMasterIdLst>
-    <p:notesMasterId r:id="rId22"/>
+    <p:notesMasterId r:id="rId26"/>
   </p:notesMasterIdLst>
   <p:sldIdLst>
     <p:sldId id="256" r:id="rId2"/>
@@ -27,7 +27,11 @@
     <p:sldId id="323" r:id="rId18"/>
     <p:sldId id="324" r:id="rId19"/>
     <p:sldId id="325" r:id="rId20"/>
-    <p:sldId id="309" r:id="rId21"/>
+    <p:sldId id="327" r:id="rId21"/>
+    <p:sldId id="328" r:id="rId22"/>
+    <p:sldId id="329" r:id="rId23"/>
+    <p:sldId id="330" r:id="rId24"/>
+    <p:sldId id="309" r:id="rId25"/>
   </p:sldIdLst>
   <p:sldSz cx="12192000" cy="6858000"/>
   <p:notesSz cx="12192000" cy="6858000"/>
@@ -492,6 +496,174 @@
     </a:lvl9pPr>
   </p:notesStyle>
 </p:notesMaster>
+</file>
+
+<file path=ppt/notesSlides/notesSlide1.xml><?xml version="1.0" encoding="utf-8"?>
+<p:notes xmlns:a="http://schemas.openxmlformats.org/drawingml/2006/main" xmlns:r="http://schemas.openxmlformats.org/officeDocument/2006/relationships" xmlns:p="http://schemas.openxmlformats.org/presentationml/2006/main">
+  <p:cSld>
+    <p:spTree>
+      <p:nvGrpSpPr>
+        <p:cNvPr id="1" name=""/>
+        <p:cNvGrpSpPr/>
+        <p:nvPr/>
+      </p:nvGrpSpPr>
+      <p:grpSpPr>
+        <a:xfrm>
+          <a:off x="0" y="0"/>
+          <a:ext cx="0" cy="0"/>
+          <a:chOff x="0" y="0"/>
+          <a:chExt cx="0" cy="0"/>
+        </a:xfrm>
+      </p:grpSpPr>
+      <p:sp>
+        <p:nvSpPr>
+          <p:cNvPr id="2" name="Segnaposto immagine diapositiva 1"/>
+          <p:cNvSpPr>
+            <a:spLocks noGrp="1" noRot="1" noChangeAspect="1"/>
+          </p:cNvSpPr>
+          <p:nvPr>
+            <p:ph type="sldImg"/>
+          </p:nvPr>
+        </p:nvSpPr>
+        <p:spPr/>
+      </p:sp>
+      <p:sp>
+        <p:nvSpPr>
+          <p:cNvPr id="3" name="Segnaposto note 2"/>
+          <p:cNvSpPr>
+            <a:spLocks noGrp="1"/>
+          </p:cNvSpPr>
+          <p:nvPr>
+            <p:ph type="body" idx="1"/>
+          </p:nvPr>
+        </p:nvSpPr>
+        <p:spPr/>
+        <p:txBody>
+          <a:bodyPr/>
+          <a:lstStyle/>
+          <a:p>
+            <a:endParaRPr lang="it-IT" dirty="0"/>
+          </a:p>
+        </p:txBody>
+      </p:sp>
+      <p:sp>
+        <p:nvSpPr>
+          <p:cNvPr id="4" name="Segnaposto numero diapositiva 3"/>
+          <p:cNvSpPr>
+            <a:spLocks noGrp="1"/>
+          </p:cNvSpPr>
+          <p:nvPr>
+            <p:ph type="sldNum" sz="quarter" idx="5"/>
+          </p:nvPr>
+        </p:nvSpPr>
+        <p:spPr/>
+        <p:txBody>
+          <a:bodyPr/>
+          <a:lstStyle/>
+          <a:p>
+            <a:fld id="{D180F6EA-BA0B-4E0F-AD6C-3654AF8E5BF3}" type="slidenum">
+              <a:rPr lang="it-IT" smtClean="0"/>
+              <a:t>19</a:t>
+            </a:fld>
+            <a:endParaRPr lang="it-IT"/>
+          </a:p>
+        </p:txBody>
+      </p:sp>
+    </p:spTree>
+    <p:extLst>
+      <p:ext uri="{BB962C8B-B14F-4D97-AF65-F5344CB8AC3E}">
+        <p14:creationId xmlns:p14="http://schemas.microsoft.com/office/powerpoint/2010/main" val="2536120160"/>
+      </p:ext>
+    </p:extLst>
+  </p:cSld>
+  <p:clrMapOvr>
+    <a:masterClrMapping/>
+  </p:clrMapOvr>
+</p:notes>
+</file>
+
+<file path=ppt/notesSlides/notesSlide2.xml><?xml version="1.0" encoding="utf-8"?>
+<p:notes xmlns:a="http://schemas.openxmlformats.org/drawingml/2006/main" xmlns:r="http://schemas.openxmlformats.org/officeDocument/2006/relationships" xmlns:p="http://schemas.openxmlformats.org/presentationml/2006/main">
+  <p:cSld>
+    <p:spTree>
+      <p:nvGrpSpPr>
+        <p:cNvPr id="1" name=""/>
+        <p:cNvGrpSpPr/>
+        <p:nvPr/>
+      </p:nvGrpSpPr>
+      <p:grpSpPr>
+        <a:xfrm>
+          <a:off x="0" y="0"/>
+          <a:ext cx="0" cy="0"/>
+          <a:chOff x="0" y="0"/>
+          <a:chExt cx="0" cy="0"/>
+        </a:xfrm>
+      </p:grpSpPr>
+      <p:sp>
+        <p:nvSpPr>
+          <p:cNvPr id="2" name="Segnaposto immagine diapositiva 1"/>
+          <p:cNvSpPr>
+            <a:spLocks noGrp="1" noRot="1" noChangeAspect="1"/>
+          </p:cNvSpPr>
+          <p:nvPr>
+            <p:ph type="sldImg"/>
+          </p:nvPr>
+        </p:nvSpPr>
+        <p:spPr/>
+      </p:sp>
+      <p:sp>
+        <p:nvSpPr>
+          <p:cNvPr id="3" name="Segnaposto note 2"/>
+          <p:cNvSpPr>
+            <a:spLocks noGrp="1"/>
+          </p:cNvSpPr>
+          <p:nvPr>
+            <p:ph type="body" idx="1"/>
+          </p:nvPr>
+        </p:nvSpPr>
+        <p:spPr/>
+        <p:txBody>
+          <a:bodyPr/>
+          <a:lstStyle/>
+          <a:p>
+            <a:endParaRPr lang="it-IT" dirty="0"/>
+          </a:p>
+        </p:txBody>
+      </p:sp>
+      <p:sp>
+        <p:nvSpPr>
+          <p:cNvPr id="4" name="Segnaposto numero diapositiva 3"/>
+          <p:cNvSpPr>
+            <a:spLocks noGrp="1"/>
+          </p:cNvSpPr>
+          <p:nvPr>
+            <p:ph type="sldNum" sz="quarter" idx="5"/>
+          </p:nvPr>
+        </p:nvSpPr>
+        <p:spPr/>
+        <p:txBody>
+          <a:bodyPr/>
+          <a:lstStyle/>
+          <a:p>
+            <a:fld id="{D180F6EA-BA0B-4E0F-AD6C-3654AF8E5BF3}" type="slidenum">
+              <a:rPr lang="it-IT" smtClean="0"/>
+              <a:t>23</a:t>
+            </a:fld>
+            <a:endParaRPr lang="it-IT"/>
+          </a:p>
+        </p:txBody>
+      </p:sp>
+    </p:spTree>
+    <p:extLst>
+      <p:ext uri="{BB962C8B-B14F-4D97-AF65-F5344CB8AC3E}">
+        <p14:creationId xmlns:p14="http://schemas.microsoft.com/office/powerpoint/2010/main" val="4087529244"/>
+      </p:ext>
+    </p:extLst>
+  </p:cSld>
+  <p:clrMapOvr>
+    <a:masterClrMapping/>
+  </p:clrMapOvr>
+</p:notes>
 </file>
 
 <file path=ppt/slideLayouts/slideLayout1.xml><?xml version="1.0" encoding="utf-8"?>
@@ -2807,472 +2979,96 @@
           </a:p>
         </p:txBody>
       </p:sp>
-      <mc:AlternateContent xmlns:mc="http://schemas.openxmlformats.org/markup-compatibility/2006" xmlns:a14="http://schemas.microsoft.com/office/drawing/2010/main">
-        <mc:Choice Requires="a14">
-          <p:sp>
-            <p:nvSpPr>
-              <p:cNvPr id="3" name="Segnaposto testo 2">
-                <a:extLst>
-                  <a:ext uri="{FF2B5EF4-FFF2-40B4-BE49-F238E27FC236}">
-                    <a16:creationId xmlns:a16="http://schemas.microsoft.com/office/drawing/2014/main" id="{31694F71-4418-6177-EA70-856A063E0D4D}"/>
-                  </a:ext>
-                </a:extLst>
-              </p:cNvPr>
-              <p:cNvSpPr>
-                <a:spLocks noGrp="1"/>
-              </p:cNvSpPr>
-              <p:nvPr>
-                <p:ph type="body" idx="1"/>
-              </p:nvPr>
-            </p:nvSpPr>
-            <p:spPr>
-              <a:xfrm>
-                <a:off x="914400" y="2057400"/>
-                <a:ext cx="8001000" cy="439736"/>
-              </a:xfrm>
-            </p:spPr>
-            <p:txBody>
-              <a:bodyPr/>
-              <a:lstStyle/>
-              <a:p>
-                <a:pPr marL="285750" indent="-285750" algn="l">
-                  <a:spcAft>
-                    <a:spcPts val="2400"/>
-                  </a:spcAft>
-                  <a:buFont typeface="Arial" panose="020B0604020202020204" pitchFamily="34" charset="0"/>
-                  <a:buChar char="•"/>
-                </a:pPr>
-                <a14:m>
-                  <m:oMath xmlns:m="http://schemas.openxmlformats.org/officeDocument/2006/math">
-                    <m:r>
-                      <a:rPr lang="it-IT" b="0" i="1" kern="1200" smtClean="0">
-                        <a:latin typeface="Cambria Math" panose="02040503050406030204" pitchFamily="18" charset="0"/>
-                        <a:cs typeface="Arial"/>
-                      </a:rPr>
-                      <m:t>𝑚𝑖𝑛</m:t>
-                    </m:r>
-                    <m:nary>
-                      <m:naryPr>
-                        <m:chr m:val="∑"/>
-                        <m:ctrlPr>
-                          <a:rPr lang="it-IT" b="0" i="1" kern="1200" smtClean="0">
-                            <a:latin typeface="Cambria Math" panose="02040503050406030204" pitchFamily="18" charset="0"/>
-                            <a:cs typeface="Arial"/>
-                          </a:rPr>
-                        </m:ctrlPr>
-                      </m:naryPr>
-                      <m:sub/>
-                      <m:sup/>
-                      <m:e/>
-                    </m:nary>
-                  </m:oMath>
-                </a14:m>
-                <a:endParaRPr lang="it-IT" kern="1200" dirty="0">
-                  <a:latin typeface="Arial"/>
-                  <a:cs typeface="Arial"/>
-                </a:endParaRPr>
-              </a:p>
-            </p:txBody>
-          </p:sp>
-        </mc:Choice>
-        <mc:Fallback xmlns="">
-          <p:sp>
-            <p:nvSpPr>
-              <p:cNvPr id="3" name="Segnaposto testo 2">
-                <a:extLst>
-                  <a:ext uri="{FF2B5EF4-FFF2-40B4-BE49-F238E27FC236}">
-                    <a16:creationId xmlns:a16="http://schemas.microsoft.com/office/drawing/2014/main" id="{31694F71-4418-6177-EA70-856A063E0D4D}"/>
-                  </a:ext>
-                </a:extLst>
-              </p:cNvPr>
-              <p:cNvSpPr>
-                <a:spLocks noGrp="1" noRot="1" noChangeAspect="1" noMove="1" noResize="1" noEditPoints="1" noAdjustHandles="1" noChangeArrowheads="1" noChangeShapeType="1" noTextEdit="1"/>
-              </p:cNvSpPr>
-              <p:nvPr>
-                <p:ph type="body" idx="1"/>
-              </p:nvPr>
-            </p:nvSpPr>
-            <p:spPr>
-              <a:xfrm>
-                <a:off x="914400" y="2057400"/>
-                <a:ext cx="8001000" cy="439736"/>
-              </a:xfrm>
-              <a:blipFill>
-                <a:blip r:embed="rId2"/>
-                <a:stretch>
-                  <a:fillRect/>
-                </a:stretch>
-              </a:blipFill>
-            </p:spPr>
-            <p:txBody>
-              <a:bodyPr/>
-              <a:lstStyle/>
-              <a:p>
-                <a:r>
-                  <a:rPr lang="it-IT">
-                    <a:noFill/>
-                  </a:rPr>
-                  <a:t> </a:t>
-                </a:r>
-              </a:p>
-            </p:txBody>
-          </p:sp>
-        </mc:Fallback>
-      </mc:AlternateContent>
-      <mc:AlternateContent xmlns:mc="http://schemas.openxmlformats.org/markup-compatibility/2006" xmlns:a14="http://schemas.microsoft.com/office/drawing/2010/main">
-        <mc:Choice Requires="a14">
-          <p:sp>
-            <p:nvSpPr>
-              <p:cNvPr id="4" name="CasellaDiTesto 3">
-                <a:extLst>
-                  <a:ext uri="{FF2B5EF4-FFF2-40B4-BE49-F238E27FC236}">
-                    <a16:creationId xmlns:a16="http://schemas.microsoft.com/office/drawing/2014/main" id="{5BC9EF75-591C-5880-5B5B-7D38270A3ED1}"/>
-                  </a:ext>
-                </a:extLst>
-              </p:cNvPr>
-              <p:cNvSpPr txBox="1"/>
-              <p:nvPr/>
-            </p:nvSpPr>
-            <p:spPr>
-              <a:xfrm>
-                <a:off x="1257300" y="4648200"/>
-                <a:ext cx="3657600" cy="880369"/>
-              </a:xfrm>
-              <a:prstGeom prst="rect">
-                <a:avLst/>
-              </a:prstGeom>
-              <a:noFill/>
-            </p:spPr>
-            <p:txBody>
-              <a:bodyPr wrap="square" lIns="0" tIns="0" rIns="0" bIns="0" rtlCol="0">
-                <a:spAutoFit/>
-              </a:bodyPr>
-              <a:lstStyle/>
-              <a:p>
-                <a14:m>
-                  <m:oMath xmlns:m="http://schemas.openxmlformats.org/officeDocument/2006/math">
-                    <m:r>
-                      <a:rPr lang="it-IT" b="0" i="1" smtClean="0">
-                        <a:latin typeface="Cambria Math" panose="02040503050406030204" pitchFamily="18" charset="0"/>
-                      </a:rPr>
-                      <m:t>𝑑𝑜𝑣𝑒</m:t>
-                    </m:r>
-                    <m:r>
-                      <a:rPr lang="it-IT" b="0" i="1" smtClean="0">
-                        <a:latin typeface="Cambria Math" panose="02040503050406030204" pitchFamily="18" charset="0"/>
-                      </a:rPr>
-                      <m:t> </m:t>
-                    </m:r>
-                    <m:r>
-                      <a:rPr lang="it-IT" b="0" i="1" smtClean="0">
-                        <a:latin typeface="Cambria Math" panose="02040503050406030204" pitchFamily="18" charset="0"/>
-                      </a:rPr>
-                      <m:t>𝑥</m:t>
-                    </m:r>
-                    <m:r>
-                      <a:rPr lang="it-IT" b="0" i="1" smtClean="0">
-                        <a:latin typeface="Cambria Math" panose="02040503050406030204" pitchFamily="18" charset="0"/>
-                      </a:rPr>
-                      <m:t>=</m:t>
-                    </m:r>
-                    <m:d>
-                      <m:dPr>
-                        <m:begChr m:val="["/>
-                        <m:endChr m:val="]"/>
-                        <m:ctrlPr>
-                          <a:rPr lang="it-IT" i="1" smtClean="0">
-                            <a:latin typeface="Cambria Math" panose="02040503050406030204" pitchFamily="18" charset="0"/>
-                          </a:rPr>
-                        </m:ctrlPr>
-                      </m:dPr>
-                      <m:e>
-                        <m:eqArr>
-                          <m:eqArrPr>
-                            <m:ctrlPr>
-                              <a:rPr lang="it-IT" i="1" smtClean="0">
-                                <a:latin typeface="Cambria Math" panose="02040503050406030204" pitchFamily="18" charset="0"/>
-                              </a:rPr>
-                            </m:ctrlPr>
-                          </m:eqArrPr>
-                          <m:e>
-                            <m:sSub>
-                              <m:sSubPr>
-                                <m:ctrlPr>
-                                  <a:rPr lang="it-IT" b="0" i="1" smtClean="0">
-                                    <a:latin typeface="Cambria Math" panose="02040503050406030204" pitchFamily="18" charset="0"/>
-                                  </a:rPr>
-                                </m:ctrlPr>
-                              </m:sSubPr>
-                              <m:e>
-                                <m:r>
-                                  <a:rPr lang="it-IT" b="0" i="1" smtClean="0">
-                                    <a:latin typeface="Cambria Math" panose="02040503050406030204" pitchFamily="18" charset="0"/>
-                                  </a:rPr>
-                                  <m:t>𝑥</m:t>
-                                </m:r>
-                              </m:e>
-                              <m:sub>
-                                <m:r>
-                                  <a:rPr lang="it-IT" b="0" i="1" smtClean="0">
-                                    <a:latin typeface="Cambria Math" panose="02040503050406030204" pitchFamily="18" charset="0"/>
-                                  </a:rPr>
-                                  <m:t>1</m:t>
-                                </m:r>
-                              </m:sub>
-                            </m:sSub>
-                          </m:e>
-                          <m:e>
-                            <m:sSub>
-                              <m:sSubPr>
-                                <m:ctrlPr>
-                                  <a:rPr lang="it-IT" b="0" i="1" smtClean="0">
-                                    <a:latin typeface="Cambria Math" panose="02040503050406030204" pitchFamily="18" charset="0"/>
-                                  </a:rPr>
-                                </m:ctrlPr>
-                              </m:sSubPr>
-                              <m:e>
-                                <m:r>
-                                  <a:rPr lang="it-IT" b="0" i="1" smtClean="0">
-                                    <a:latin typeface="Cambria Math" panose="02040503050406030204" pitchFamily="18" charset="0"/>
-                                  </a:rPr>
-                                  <m:t>𝑥</m:t>
-                                </m:r>
-                              </m:e>
-                              <m:sub>
-                                <m:r>
-                                  <a:rPr lang="it-IT" b="0" i="1" smtClean="0">
-                                    <a:latin typeface="Cambria Math" panose="02040503050406030204" pitchFamily="18" charset="0"/>
-                                  </a:rPr>
-                                  <m:t>2</m:t>
-                                </m:r>
-                              </m:sub>
-                            </m:sSub>
-                          </m:e>
-                          <m:e>
-                            <m:sSub>
-                              <m:sSubPr>
-                                <m:ctrlPr>
-                                  <a:rPr lang="it-IT" b="0" i="1" smtClean="0">
-                                    <a:latin typeface="Cambria Math" panose="02040503050406030204" pitchFamily="18" charset="0"/>
-                                  </a:rPr>
-                                </m:ctrlPr>
-                              </m:sSubPr>
-                              <m:e>
-                                <m:r>
-                                  <a:rPr lang="it-IT" b="0" i="1" smtClean="0">
-                                    <a:latin typeface="Cambria Math" panose="02040503050406030204" pitchFamily="18" charset="0"/>
-                                  </a:rPr>
-                                  <m:t>𝑥</m:t>
-                                </m:r>
-                              </m:e>
-                              <m:sub>
-                                <m:r>
-                                  <a:rPr lang="it-IT" b="0" i="1" smtClean="0">
-                                    <a:latin typeface="Cambria Math" panose="02040503050406030204" pitchFamily="18" charset="0"/>
-                                  </a:rPr>
-                                  <m:t>3</m:t>
-                                </m:r>
-                              </m:sub>
-                            </m:sSub>
-                          </m:e>
-                        </m:eqArr>
-                      </m:e>
-                    </m:d>
-                    <m:r>
-                      <a:rPr lang="it-IT" b="0" i="1" smtClean="0">
-                        <a:latin typeface="Cambria Math" panose="02040503050406030204" pitchFamily="18" charset="0"/>
-                      </a:rPr>
-                      <m:t>=</m:t>
-                    </m:r>
-                  </m:oMath>
-                </a14:m>
-                <a:r>
-                  <a:rPr lang="it-IT" dirty="0"/>
-                  <a:t> </a:t>
-                </a:r>
-                <a14:m>
-                  <m:oMath xmlns:m="http://schemas.openxmlformats.org/officeDocument/2006/math">
-                    <m:d>
-                      <m:dPr>
-                        <m:begChr m:val="["/>
-                        <m:endChr m:val="]"/>
-                        <m:ctrlPr>
-                          <a:rPr lang="it-IT" i="1">
-                            <a:latin typeface="Cambria Math" panose="02040503050406030204" pitchFamily="18" charset="0"/>
-                          </a:rPr>
-                        </m:ctrlPr>
-                      </m:dPr>
-                      <m:e>
-                        <m:eqArr>
-                          <m:eqArrPr>
-                            <m:ctrlPr>
-                              <a:rPr lang="it-IT" i="1">
-                                <a:latin typeface="Cambria Math" panose="02040503050406030204" pitchFamily="18" charset="0"/>
-                              </a:rPr>
-                            </m:ctrlPr>
-                          </m:eqArrPr>
-                          <m:e>
-                            <m:sSub>
-                              <m:sSubPr>
-                                <m:ctrlPr>
-                                  <a:rPr lang="it-IT" b="0" i="1" smtClean="0">
-                                    <a:latin typeface="Cambria Math" panose="02040503050406030204" pitchFamily="18" charset="0"/>
-                                  </a:rPr>
-                                </m:ctrlPr>
-                              </m:sSubPr>
-                              <m:e>
-                                <m:r>
-                                  <a:rPr lang="it-IT" b="0" i="1" smtClean="0">
-                                    <a:latin typeface="Cambria Math" panose="02040503050406030204" pitchFamily="18" charset="0"/>
-                                  </a:rPr>
-                                  <m:t>𝐶</m:t>
-                                </m:r>
-                              </m:e>
-                              <m:sub>
-                                <m:r>
-                                  <a:rPr lang="it-IT" b="0" i="1" smtClean="0">
-                                    <a:latin typeface="Cambria Math" panose="02040503050406030204" pitchFamily="18" charset="0"/>
-                                  </a:rPr>
-                                  <m:t>𝐴</m:t>
-                                </m:r>
-                              </m:sub>
-                            </m:sSub>
-                          </m:e>
-                          <m:e>
-                            <m:r>
-                              <a:rPr lang="it-IT" b="0" i="1" smtClean="0">
-                                <a:latin typeface="Cambria Math" panose="02040503050406030204" pitchFamily="18" charset="0"/>
-                              </a:rPr>
-                              <m:t>𝑇</m:t>
-                            </m:r>
-                          </m:e>
-                          <m:e>
-                            <m:sSub>
-                              <m:sSubPr>
-                                <m:ctrlPr>
-                                  <a:rPr lang="it-IT" b="0" i="1" smtClean="0">
-                                    <a:latin typeface="Cambria Math" panose="02040503050406030204" pitchFamily="18" charset="0"/>
-                                  </a:rPr>
-                                </m:ctrlPr>
-                              </m:sSubPr>
-                              <m:e>
-                                <m:r>
-                                  <a:rPr lang="it-IT" b="0" i="1" smtClean="0">
-                                    <a:latin typeface="Cambria Math" panose="02040503050406030204" pitchFamily="18" charset="0"/>
-                                  </a:rPr>
-                                  <m:t>𝑇</m:t>
-                                </m:r>
-                              </m:e>
-                              <m:sub>
-                                <m:r>
-                                  <a:rPr lang="it-IT" b="0" i="1" smtClean="0">
-                                    <a:latin typeface="Cambria Math" panose="02040503050406030204" pitchFamily="18" charset="0"/>
-                                  </a:rPr>
-                                  <m:t>𝐶</m:t>
-                                </m:r>
-                              </m:sub>
-                            </m:sSub>
-                          </m:e>
-                        </m:eqArr>
-                      </m:e>
-                    </m:d>
-                  </m:oMath>
-                </a14:m>
-                <a:r>
-                  <a:rPr lang="it-IT" dirty="0"/>
-                  <a:t> e </a:t>
-                </a:r>
-                <a14:m>
-                  <m:oMath xmlns:m="http://schemas.openxmlformats.org/officeDocument/2006/math">
-                    <m:r>
-                      <a:rPr lang="it-IT" b="0" i="1" smtClean="0">
-                        <a:latin typeface="Cambria Math" panose="02040503050406030204" pitchFamily="18" charset="0"/>
-                      </a:rPr>
-                      <m:t>𝑢</m:t>
-                    </m:r>
-                    <m:r>
-                      <a:rPr lang="it-IT" b="0" i="1" smtClean="0">
-                        <a:latin typeface="Cambria Math" panose="02040503050406030204" pitchFamily="18" charset="0"/>
-                      </a:rPr>
-                      <m:t>=</m:t>
-                    </m:r>
-                    <m:sSub>
-                      <m:sSubPr>
-                        <m:ctrlPr>
-                          <a:rPr lang="it-IT" b="0" i="1" smtClean="0">
-                            <a:latin typeface="Cambria Math" panose="02040503050406030204" pitchFamily="18" charset="0"/>
-                          </a:rPr>
-                        </m:ctrlPr>
-                      </m:sSubPr>
-                      <m:e>
-                        <m:r>
-                          <a:rPr lang="it-IT" b="0" i="1" smtClean="0">
-                            <a:latin typeface="Cambria Math" panose="02040503050406030204" pitchFamily="18" charset="0"/>
-                          </a:rPr>
-                          <m:t>𝑇</m:t>
-                        </m:r>
-                      </m:e>
-                      <m:sub>
-                        <m:r>
-                          <a:rPr lang="it-IT" b="0" i="1" smtClean="0">
-                            <a:latin typeface="Cambria Math" panose="02040503050406030204" pitchFamily="18" charset="0"/>
-                          </a:rPr>
-                          <m:t>𝑟</m:t>
-                        </m:r>
-                      </m:sub>
-                    </m:sSub>
-                  </m:oMath>
-                </a14:m>
-                <a:endParaRPr lang="it-IT" dirty="0"/>
-              </a:p>
-            </p:txBody>
-          </p:sp>
-        </mc:Choice>
-        <mc:Fallback xmlns="">
-          <p:sp>
-            <p:nvSpPr>
-              <p:cNvPr id="4" name="CasellaDiTesto 3">
-                <a:extLst>
-                  <a:ext uri="{FF2B5EF4-FFF2-40B4-BE49-F238E27FC236}">
-                    <a16:creationId xmlns:a16="http://schemas.microsoft.com/office/drawing/2014/main" id="{5BC9EF75-591C-5880-5B5B-7D38270A3ED1}"/>
-                  </a:ext>
-                </a:extLst>
-              </p:cNvPr>
-              <p:cNvSpPr txBox="1">
-                <a:spLocks noRot="1" noChangeAspect="1" noMove="1" noResize="1" noEditPoints="1" noAdjustHandles="1" noChangeArrowheads="1" noChangeShapeType="1" noTextEdit="1"/>
-              </p:cNvSpPr>
-              <p:nvPr/>
-            </p:nvSpPr>
-            <p:spPr>
-              <a:xfrm>
-                <a:off x="1257300" y="4648200"/>
-                <a:ext cx="3657600" cy="880369"/>
-              </a:xfrm>
-              <a:prstGeom prst="rect">
-                <a:avLst/>
-              </a:prstGeom>
-              <a:blipFill>
-                <a:blip r:embed="rId3"/>
-                <a:stretch>
-                  <a:fillRect/>
-                </a:stretch>
-              </a:blipFill>
-            </p:spPr>
-            <p:txBody>
-              <a:bodyPr/>
-              <a:lstStyle/>
-              <a:p>
-                <a:r>
-                  <a:rPr lang="it-IT">
-                    <a:noFill/>
-                  </a:rPr>
-                  <a:t> </a:t>
-                </a:r>
-              </a:p>
-            </p:txBody>
-          </p:sp>
-        </mc:Fallback>
-      </mc:AlternateContent>
+      <p:pic>
+        <p:nvPicPr>
+          <p:cNvPr id="7" name="Immagine 6">
+            <a:extLst>
+              <a:ext uri="{FF2B5EF4-FFF2-40B4-BE49-F238E27FC236}">
+                <a16:creationId xmlns:a16="http://schemas.microsoft.com/office/drawing/2014/main" id="{9CD43993-E84E-52D8-B05B-1CCB2B8AA52E}"/>
+              </a:ext>
+            </a:extLst>
+          </p:cNvPr>
+          <p:cNvPicPr>
+            <a:picLocks noChangeAspect="1"/>
+          </p:cNvPicPr>
+          <p:nvPr/>
+        </p:nvPicPr>
+        <p:blipFill>
+          <a:blip r:embed="rId2"/>
+          <a:stretch>
+            <a:fillRect/>
+          </a:stretch>
+        </p:blipFill>
+        <p:spPr>
+          <a:xfrm>
+            <a:off x="3207702" y="1143000"/>
+            <a:ext cx="7300593" cy="2987299"/>
+          </a:xfrm>
+          <a:prstGeom prst="rect">
+            <a:avLst/>
+          </a:prstGeom>
+        </p:spPr>
+      </p:pic>
+      <p:pic>
+        <p:nvPicPr>
+          <p:cNvPr id="8" name="Immagine 7">
+            <a:extLst>
+              <a:ext uri="{FF2B5EF4-FFF2-40B4-BE49-F238E27FC236}">
+                <a16:creationId xmlns:a16="http://schemas.microsoft.com/office/drawing/2014/main" id="{C85B692A-D88C-FDA5-5320-1C1DE8149DE9}"/>
+              </a:ext>
+            </a:extLst>
+          </p:cNvPr>
+          <p:cNvPicPr>
+            <a:picLocks noChangeAspect="1"/>
+          </p:cNvPicPr>
+          <p:nvPr/>
+        </p:nvPicPr>
+        <p:blipFill>
+          <a:blip r:embed="rId3"/>
+          <a:stretch>
+            <a:fillRect/>
+          </a:stretch>
+        </p:blipFill>
+        <p:spPr>
+          <a:xfrm>
+            <a:off x="1249926" y="4150520"/>
+            <a:ext cx="5547841" cy="602032"/>
+          </a:xfrm>
+          <a:prstGeom prst="rect">
+            <a:avLst/>
+          </a:prstGeom>
+        </p:spPr>
+      </p:pic>
+      <p:pic>
+        <p:nvPicPr>
+          <p:cNvPr id="16" name="Immagine 15">
+            <a:extLst>
+              <a:ext uri="{FF2B5EF4-FFF2-40B4-BE49-F238E27FC236}">
+                <a16:creationId xmlns:a16="http://schemas.microsoft.com/office/drawing/2014/main" id="{563CF83D-BBED-0784-FE15-1CA8E97D0D60}"/>
+              </a:ext>
+            </a:extLst>
+          </p:cNvPr>
+          <p:cNvPicPr>
+            <a:picLocks noChangeAspect="1"/>
+          </p:cNvPicPr>
+          <p:nvPr/>
+        </p:nvPicPr>
+        <p:blipFill>
+          <a:blip r:embed="rId4"/>
+          <a:stretch>
+            <a:fillRect/>
+          </a:stretch>
+        </p:blipFill>
+        <p:spPr>
+          <a:xfrm>
+            <a:off x="1371600" y="4757533"/>
+            <a:ext cx="5005790" cy="1273587"/>
+          </a:xfrm>
+          <a:prstGeom prst="rect">
+            <a:avLst/>
+          </a:prstGeom>
+        </p:spPr>
+      </p:pic>
     </p:spTree>
     <p:extLst>
       <p:ext uri="{BB962C8B-B14F-4D97-AF65-F5344CB8AC3E}">
@@ -3339,63 +3135,66 @@
           </a:p>
         </p:txBody>
       </p:sp>
-      <p:sp>
-        <p:nvSpPr>
-          <p:cNvPr id="3" name="Segnaposto testo 2">
+      <p:pic>
+        <p:nvPicPr>
+          <p:cNvPr id="13" name="Immagine 12">
             <a:extLst>
               <a:ext uri="{FF2B5EF4-FFF2-40B4-BE49-F238E27FC236}">
-                <a16:creationId xmlns:a16="http://schemas.microsoft.com/office/drawing/2014/main" id="{31694F71-4418-6177-EA70-856A063E0D4D}"/>
+                <a16:creationId xmlns:a16="http://schemas.microsoft.com/office/drawing/2014/main" id="{7A63405D-7F94-6893-3C3E-B141CB283021}"/>
               </a:ext>
             </a:extLst>
           </p:cNvPr>
-          <p:cNvSpPr>
-            <a:spLocks noGrp="1"/>
-          </p:cNvSpPr>
-          <p:nvPr>
-            <p:ph type="body" idx="1"/>
-          </p:nvPr>
-        </p:nvSpPr>
-        <p:spPr>
-          <a:xfrm>
-            <a:off x="914400" y="2057400"/>
-            <a:ext cx="8001000" cy="369332"/>
-          </a:xfrm>
-        </p:spPr>
-        <p:txBody>
-          <a:bodyPr/>
-          <a:lstStyle/>
-          <a:p>
-            <a:pPr marL="285750" indent="-285750" algn="l">
-              <a:spcAft>
-                <a:spcPts val="2400"/>
-              </a:spcAft>
-              <a:buFont typeface="Arial" panose="020B0604020202020204" pitchFamily="34" charset="0"/>
-              <a:buChar char="•"/>
-            </a:pPr>
-            <a:r>
-              <a:rPr lang="it-IT" kern="1200" dirty="0">
-                <a:latin typeface="Arial"/>
-                <a:cs typeface="Arial"/>
-              </a:rPr>
-              <a:t>DA mettere </a:t>
-            </a:r>
-            <a:r>
-              <a:rPr lang="it-IT" kern="1200" dirty="0" err="1">
-                <a:latin typeface="Arial"/>
-                <a:cs typeface="Arial"/>
-              </a:rPr>
-              <a:t>eq</a:t>
-            </a:r>
-            <a:r>
-              <a:rPr lang="it-IT" kern="1200" dirty="0">
-                <a:latin typeface="Arial"/>
-                <a:cs typeface="Arial"/>
-              </a:rPr>
-              <a:t>.</a:t>
-            </a:r>
-          </a:p>
-        </p:txBody>
-      </p:sp>
+          <p:cNvPicPr>
+            <a:picLocks noChangeAspect="1"/>
+          </p:cNvPicPr>
+          <p:nvPr/>
+        </p:nvPicPr>
+        <p:blipFill>
+          <a:blip r:embed="rId2"/>
+          <a:stretch>
+            <a:fillRect/>
+          </a:stretch>
+        </p:blipFill>
+        <p:spPr>
+          <a:xfrm>
+            <a:off x="990600" y="2605968"/>
+            <a:ext cx="4808637" cy="1646063"/>
+          </a:xfrm>
+          <a:prstGeom prst="rect">
+            <a:avLst/>
+          </a:prstGeom>
+        </p:spPr>
+      </p:pic>
+      <p:pic>
+        <p:nvPicPr>
+          <p:cNvPr id="15" name="Immagine 14">
+            <a:extLst>
+              <a:ext uri="{FF2B5EF4-FFF2-40B4-BE49-F238E27FC236}">
+                <a16:creationId xmlns:a16="http://schemas.microsoft.com/office/drawing/2014/main" id="{93C8634E-7487-C33F-DA4C-96512F1BE6DF}"/>
+              </a:ext>
+            </a:extLst>
+          </p:cNvPr>
+          <p:cNvPicPr>
+            <a:picLocks noChangeAspect="1"/>
+          </p:cNvPicPr>
+          <p:nvPr/>
+        </p:nvPicPr>
+        <p:blipFill>
+          <a:blip r:embed="rId3"/>
+          <a:stretch>
+            <a:fillRect/>
+          </a:stretch>
+        </p:blipFill>
+        <p:spPr>
+          <a:xfrm>
+            <a:off x="7543800" y="2701226"/>
+            <a:ext cx="3444538" cy="1455546"/>
+          </a:xfrm>
+          <a:prstGeom prst="rect">
+            <a:avLst/>
+          </a:prstGeom>
+        </p:spPr>
+      </p:pic>
     </p:spTree>
     <p:extLst>
       <p:ext uri="{BB962C8B-B14F-4D97-AF65-F5344CB8AC3E}">
@@ -3715,8 +3514,8 @@
         </p:nvSpPr>
         <p:spPr>
           <a:xfrm>
-            <a:off x="8991600" y="2514600"/>
-            <a:ext cx="2662938" cy="2895600"/>
+            <a:off x="8534400" y="1705451"/>
+            <a:ext cx="2891538" cy="3447098"/>
           </a:xfrm>
         </p:spPr>
         <p:txBody>
@@ -3735,7 +3534,7 @@
                 <a:latin typeface="Arial"/>
                 <a:cs typeface="Arial"/>
               </a:rPr>
-              <a:t>I parametri della simulazione sono Q=</a:t>
+              <a:t>Q = </a:t>
             </a:r>
             <a:r>
               <a:rPr lang="it-IT" kern="1200" dirty="0" err="1">
@@ -3749,21 +3548,92 @@
                 <a:latin typeface="Arial"/>
                 <a:cs typeface="Arial"/>
               </a:rPr>
-              <a:t>(3), R=1, N=10, T</a:t>
+              <a:t>(3)</a:t>
+            </a:r>
+          </a:p>
+          <a:p>
+            <a:pPr marL="285750" indent="-285750" algn="l">
+              <a:spcAft>
+                <a:spcPts val="2400"/>
+              </a:spcAft>
+              <a:buFont typeface="Arial" panose="020B0604020202020204" pitchFamily="34" charset="0"/>
+              <a:buChar char="•"/>
+            </a:pPr>
+            <a:r>
+              <a:rPr lang="it-IT" kern="1200" dirty="0">
+                <a:latin typeface="Arial"/>
+                <a:cs typeface="Arial"/>
+              </a:rPr>
+              <a:t>R = 1</a:t>
+            </a:r>
+          </a:p>
+          <a:p>
+            <a:pPr marL="285750" indent="-285750" algn="l">
+              <a:spcAft>
+                <a:spcPts val="2400"/>
+              </a:spcAft>
+              <a:buFont typeface="Arial" panose="020B0604020202020204" pitchFamily="34" charset="0"/>
+              <a:buChar char="•"/>
+            </a:pPr>
+            <a:r>
+              <a:rPr lang="it-IT" kern="1200" dirty="0">
+                <a:latin typeface="Arial"/>
+                <a:cs typeface="Arial"/>
+              </a:rPr>
+              <a:t>N = 10</a:t>
+            </a:r>
+          </a:p>
+          <a:p>
+            <a:pPr marL="285750" indent="-285750" algn="l">
+              <a:spcAft>
+                <a:spcPts val="2400"/>
+              </a:spcAft>
+              <a:buFont typeface="Arial" panose="020B0604020202020204" pitchFamily="34" charset="0"/>
+              <a:buChar char="•"/>
+            </a:pPr>
+            <a:r>
+              <a:rPr lang="it-IT" kern="1200" dirty="0" err="1">
+                <a:latin typeface="Arial"/>
+                <a:cs typeface="Arial"/>
+              </a:rPr>
+              <a:t>T</a:t>
+            </a:r>
+            <a:r>
+              <a:rPr lang="it-IT" kern="1200" baseline="-25000" dirty="0" err="1">
+                <a:latin typeface="Arial"/>
+                <a:cs typeface="Arial"/>
+              </a:rPr>
+              <a:t>s</a:t>
             </a:r>
             <a:r>
               <a:rPr lang="it-IT" kern="1200" baseline="-25000" dirty="0">
                 <a:latin typeface="Arial"/>
                 <a:cs typeface="Arial"/>
               </a:rPr>
-              <a:t>s</a:t>
+              <a:t> </a:t>
             </a:r>
             <a:r>
               <a:rPr lang="it-IT" kern="1200" dirty="0">
                 <a:latin typeface="Arial"/>
                 <a:cs typeface="Arial"/>
               </a:rPr>
-              <a:t>=1s con vincolo di disuguaglianza e costo terminale.</a:t>
+              <a:t>= 1 [s] </a:t>
+            </a:r>
+          </a:p>
+          <a:p>
+            <a:pPr marL="285750" indent="-285750" algn="l">
+              <a:spcAft>
+                <a:spcPts val="2400"/>
+              </a:spcAft>
+              <a:buFont typeface="Arial" panose="020B0604020202020204" pitchFamily="34" charset="0"/>
+              <a:buChar char="•"/>
+            </a:pPr>
+            <a:r>
+              <a:rPr lang="it-IT" kern="1200" dirty="0">
+                <a:latin typeface="Arial"/>
+                <a:cs typeface="Arial"/>
+              </a:rPr>
+              <a:t>Vincolo terminale di disuguaglianza</a:t>
             </a:r>
           </a:p>
         </p:txBody>
@@ -3920,6 +3790,148 @@
           </a:prstGeom>
         </p:spPr>
       </p:pic>
+      <p:sp>
+        <p:nvSpPr>
+          <p:cNvPr id="3" name="Segnaposto testo 2">
+            <a:extLst>
+              <a:ext uri="{FF2B5EF4-FFF2-40B4-BE49-F238E27FC236}">
+                <a16:creationId xmlns:a16="http://schemas.microsoft.com/office/drawing/2014/main" id="{F561F521-31D0-1A6A-55B2-7A1F4E13B2FB}"/>
+              </a:ext>
+            </a:extLst>
+          </p:cNvPr>
+          <p:cNvSpPr>
+            <a:spLocks noGrp="1"/>
+          </p:cNvSpPr>
+          <p:nvPr>
+            <p:ph type="body" idx="1"/>
+          </p:nvPr>
+        </p:nvSpPr>
+        <p:spPr>
+          <a:xfrm>
+            <a:off x="9069830" y="1600200"/>
+            <a:ext cx="2891538" cy="3447098"/>
+          </a:xfrm>
+        </p:spPr>
+        <p:txBody>
+          <a:bodyPr/>
+          <a:lstStyle/>
+          <a:p>
+            <a:pPr marL="285750" indent="-285750" algn="l">
+              <a:spcAft>
+                <a:spcPts val="2400"/>
+              </a:spcAft>
+              <a:buFont typeface="Arial" panose="020B0604020202020204" pitchFamily="34" charset="0"/>
+              <a:buChar char="•"/>
+            </a:pPr>
+            <a:r>
+              <a:rPr lang="it-IT" kern="1200" dirty="0">
+                <a:latin typeface="Arial"/>
+                <a:cs typeface="Arial"/>
+              </a:rPr>
+              <a:t>Q = </a:t>
+            </a:r>
+            <a:r>
+              <a:rPr lang="it-IT" kern="1200" dirty="0" err="1">
+                <a:latin typeface="Arial"/>
+                <a:cs typeface="Arial"/>
+              </a:rPr>
+              <a:t>eye</a:t>
+            </a:r>
+            <a:r>
+              <a:rPr lang="it-IT" kern="1200" dirty="0">
+                <a:latin typeface="Arial"/>
+                <a:cs typeface="Arial"/>
+              </a:rPr>
+              <a:t>(3)</a:t>
+            </a:r>
+          </a:p>
+          <a:p>
+            <a:pPr marL="285750" indent="-285750" algn="l">
+              <a:spcAft>
+                <a:spcPts val="2400"/>
+              </a:spcAft>
+              <a:buFont typeface="Arial" panose="020B0604020202020204" pitchFamily="34" charset="0"/>
+              <a:buChar char="•"/>
+            </a:pPr>
+            <a:r>
+              <a:rPr lang="it-IT" kern="1200" dirty="0">
+                <a:latin typeface="Arial"/>
+                <a:cs typeface="Arial"/>
+              </a:rPr>
+              <a:t>R = 1</a:t>
+            </a:r>
+          </a:p>
+          <a:p>
+            <a:pPr marL="285750" indent="-285750" algn="l">
+              <a:spcAft>
+                <a:spcPts val="2400"/>
+              </a:spcAft>
+              <a:buFont typeface="Arial" panose="020B0604020202020204" pitchFamily="34" charset="0"/>
+              <a:buChar char="•"/>
+            </a:pPr>
+            <a:r>
+              <a:rPr lang="it-IT" kern="1200" dirty="0">
+                <a:latin typeface="Arial"/>
+                <a:cs typeface="Arial"/>
+              </a:rPr>
+              <a:t>N = 10</a:t>
+            </a:r>
+          </a:p>
+          <a:p>
+            <a:pPr marL="285750" indent="-285750" algn="l">
+              <a:spcAft>
+                <a:spcPts val="2400"/>
+              </a:spcAft>
+              <a:buFont typeface="Arial" panose="020B0604020202020204" pitchFamily="34" charset="0"/>
+              <a:buChar char="•"/>
+            </a:pPr>
+            <a:r>
+              <a:rPr lang="it-IT" kern="1200" dirty="0" err="1">
+                <a:latin typeface="Arial"/>
+                <a:cs typeface="Arial"/>
+              </a:rPr>
+              <a:t>T</a:t>
+            </a:r>
+            <a:r>
+              <a:rPr lang="it-IT" kern="1200" baseline="-25000" dirty="0" err="1">
+                <a:latin typeface="Arial"/>
+                <a:cs typeface="Arial"/>
+              </a:rPr>
+              <a:t>s</a:t>
+            </a:r>
+            <a:r>
+              <a:rPr lang="it-IT" kern="1200" baseline="-25000" dirty="0">
+                <a:latin typeface="Arial"/>
+                <a:cs typeface="Arial"/>
+              </a:rPr>
+              <a:t> </a:t>
+            </a:r>
+            <a:r>
+              <a:rPr lang="it-IT" kern="1200" dirty="0">
+                <a:latin typeface="Arial"/>
+                <a:cs typeface="Arial"/>
+              </a:rPr>
+              <a:t>= 1 [s] </a:t>
+            </a:r>
+          </a:p>
+          <a:p>
+            <a:pPr marL="285750" indent="-285750" algn="l">
+              <a:spcAft>
+                <a:spcPts val="2400"/>
+              </a:spcAft>
+              <a:buFont typeface="Arial" panose="020B0604020202020204" pitchFamily="34" charset="0"/>
+              <a:buChar char="•"/>
+            </a:pPr>
+            <a:r>
+              <a:rPr lang="it-IT" kern="1200" dirty="0">
+                <a:latin typeface="Arial"/>
+                <a:cs typeface="Arial"/>
+              </a:rPr>
+              <a:t>Vincolo terminale di disuguaglianza</a:t>
+            </a:r>
+          </a:p>
+        </p:txBody>
+      </p:sp>
     </p:spTree>
     <p:extLst>
       <p:ext uri="{BB962C8B-B14F-4D97-AF65-F5344CB8AC3E}">
@@ -4022,6 +4034,148 @@
           </a:prstGeom>
         </p:spPr>
       </p:pic>
+      <p:sp>
+        <p:nvSpPr>
+          <p:cNvPr id="3" name="Segnaposto testo 2">
+            <a:extLst>
+              <a:ext uri="{FF2B5EF4-FFF2-40B4-BE49-F238E27FC236}">
+                <a16:creationId xmlns:a16="http://schemas.microsoft.com/office/drawing/2014/main" id="{8DB66755-9193-593E-035B-AACAF0B74B25}"/>
+              </a:ext>
+            </a:extLst>
+          </p:cNvPr>
+          <p:cNvSpPr>
+            <a:spLocks noGrp="1"/>
+          </p:cNvSpPr>
+          <p:nvPr>
+            <p:ph type="body" idx="1"/>
+          </p:nvPr>
+        </p:nvSpPr>
+        <p:spPr>
+          <a:xfrm>
+            <a:off x="9144000" y="1705451"/>
+            <a:ext cx="2891538" cy="3447098"/>
+          </a:xfrm>
+        </p:spPr>
+        <p:txBody>
+          <a:bodyPr/>
+          <a:lstStyle/>
+          <a:p>
+            <a:pPr marL="285750" indent="-285750" algn="l">
+              <a:spcAft>
+                <a:spcPts val="2400"/>
+              </a:spcAft>
+              <a:buFont typeface="Arial" panose="020B0604020202020204" pitchFamily="34" charset="0"/>
+              <a:buChar char="•"/>
+            </a:pPr>
+            <a:r>
+              <a:rPr lang="it-IT" kern="1200" dirty="0">
+                <a:latin typeface="Arial"/>
+                <a:cs typeface="Arial"/>
+              </a:rPr>
+              <a:t>Q = </a:t>
+            </a:r>
+            <a:r>
+              <a:rPr lang="it-IT" kern="1200" dirty="0" err="1">
+                <a:latin typeface="Arial"/>
+                <a:cs typeface="Arial"/>
+              </a:rPr>
+              <a:t>eye</a:t>
+            </a:r>
+            <a:r>
+              <a:rPr lang="it-IT" kern="1200" dirty="0">
+                <a:latin typeface="Arial"/>
+                <a:cs typeface="Arial"/>
+              </a:rPr>
+              <a:t>(3)</a:t>
+            </a:r>
+          </a:p>
+          <a:p>
+            <a:pPr marL="285750" indent="-285750" algn="l">
+              <a:spcAft>
+                <a:spcPts val="2400"/>
+              </a:spcAft>
+              <a:buFont typeface="Arial" panose="020B0604020202020204" pitchFamily="34" charset="0"/>
+              <a:buChar char="•"/>
+            </a:pPr>
+            <a:r>
+              <a:rPr lang="it-IT" kern="1200" dirty="0">
+                <a:latin typeface="Arial"/>
+                <a:cs typeface="Arial"/>
+              </a:rPr>
+              <a:t>R = 1</a:t>
+            </a:r>
+          </a:p>
+          <a:p>
+            <a:pPr marL="285750" indent="-285750" algn="l">
+              <a:spcAft>
+                <a:spcPts val="2400"/>
+              </a:spcAft>
+              <a:buFont typeface="Arial" panose="020B0604020202020204" pitchFamily="34" charset="0"/>
+              <a:buChar char="•"/>
+            </a:pPr>
+            <a:r>
+              <a:rPr lang="it-IT" kern="1200" dirty="0">
+                <a:latin typeface="Arial"/>
+                <a:cs typeface="Arial"/>
+              </a:rPr>
+              <a:t>N = 10</a:t>
+            </a:r>
+          </a:p>
+          <a:p>
+            <a:pPr marL="285750" indent="-285750" algn="l">
+              <a:spcAft>
+                <a:spcPts val="2400"/>
+              </a:spcAft>
+              <a:buFont typeface="Arial" panose="020B0604020202020204" pitchFamily="34" charset="0"/>
+              <a:buChar char="•"/>
+            </a:pPr>
+            <a:r>
+              <a:rPr lang="it-IT" kern="1200" dirty="0" err="1">
+                <a:latin typeface="Arial"/>
+                <a:cs typeface="Arial"/>
+              </a:rPr>
+              <a:t>T</a:t>
+            </a:r>
+            <a:r>
+              <a:rPr lang="it-IT" kern="1200" baseline="-25000" dirty="0" err="1">
+                <a:latin typeface="Arial"/>
+                <a:cs typeface="Arial"/>
+              </a:rPr>
+              <a:t>s</a:t>
+            </a:r>
+            <a:r>
+              <a:rPr lang="it-IT" kern="1200" baseline="-25000" dirty="0">
+                <a:latin typeface="Arial"/>
+                <a:cs typeface="Arial"/>
+              </a:rPr>
+              <a:t> </a:t>
+            </a:r>
+            <a:r>
+              <a:rPr lang="it-IT" kern="1200" dirty="0">
+                <a:latin typeface="Arial"/>
+                <a:cs typeface="Arial"/>
+              </a:rPr>
+              <a:t>= 1 [s] </a:t>
+            </a:r>
+          </a:p>
+          <a:p>
+            <a:pPr marL="285750" indent="-285750" algn="l">
+              <a:spcAft>
+                <a:spcPts val="2400"/>
+              </a:spcAft>
+              <a:buFont typeface="Arial" panose="020B0604020202020204" pitchFamily="34" charset="0"/>
+              <a:buChar char="•"/>
+            </a:pPr>
+            <a:r>
+              <a:rPr lang="it-IT" kern="1200" dirty="0">
+                <a:latin typeface="Arial"/>
+                <a:cs typeface="Arial"/>
+              </a:rPr>
+              <a:t>Vincolo terminale di disuguaglianza</a:t>
+            </a:r>
+          </a:p>
+        </p:txBody>
+      </p:sp>
     </p:spTree>
     <p:extLst>
       <p:ext uri="{BB962C8B-B14F-4D97-AF65-F5344CB8AC3E}">
@@ -4088,12 +4242,154 @@
           </a:p>
         </p:txBody>
       </p:sp>
+      <p:sp>
+        <p:nvSpPr>
+          <p:cNvPr id="3" name="Segnaposto testo 2">
+            <a:extLst>
+              <a:ext uri="{FF2B5EF4-FFF2-40B4-BE49-F238E27FC236}">
+                <a16:creationId xmlns:a16="http://schemas.microsoft.com/office/drawing/2014/main" id="{BC66AB6D-8201-7AEF-E177-A701E920BD79}"/>
+              </a:ext>
+            </a:extLst>
+          </p:cNvPr>
+          <p:cNvSpPr>
+            <a:spLocks noGrp="1"/>
+          </p:cNvSpPr>
+          <p:nvPr>
+            <p:ph type="body" idx="1"/>
+          </p:nvPr>
+        </p:nvSpPr>
+        <p:spPr>
+          <a:xfrm>
+            <a:off x="842262" y="1851828"/>
+            <a:ext cx="2891538" cy="3447098"/>
+          </a:xfrm>
+        </p:spPr>
+        <p:txBody>
+          <a:bodyPr/>
+          <a:lstStyle/>
+          <a:p>
+            <a:pPr marL="285750" indent="-285750" algn="l">
+              <a:spcAft>
+                <a:spcPts val="2400"/>
+              </a:spcAft>
+              <a:buFont typeface="Arial" panose="020B0604020202020204" pitchFamily="34" charset="0"/>
+              <a:buChar char="•"/>
+            </a:pPr>
+            <a:r>
+              <a:rPr lang="it-IT" kern="1200" dirty="0">
+                <a:latin typeface="Arial"/>
+                <a:cs typeface="Arial"/>
+              </a:rPr>
+              <a:t>Q = </a:t>
+            </a:r>
+            <a:r>
+              <a:rPr lang="it-IT" kern="1200" dirty="0" err="1">
+                <a:latin typeface="Arial"/>
+                <a:cs typeface="Arial"/>
+              </a:rPr>
+              <a:t>eye</a:t>
+            </a:r>
+            <a:r>
+              <a:rPr lang="it-IT" kern="1200" dirty="0">
+                <a:latin typeface="Arial"/>
+                <a:cs typeface="Arial"/>
+              </a:rPr>
+              <a:t>(3)</a:t>
+            </a:r>
+          </a:p>
+          <a:p>
+            <a:pPr marL="285750" indent="-285750" algn="l">
+              <a:spcAft>
+                <a:spcPts val="2400"/>
+              </a:spcAft>
+              <a:buFont typeface="Arial" panose="020B0604020202020204" pitchFamily="34" charset="0"/>
+              <a:buChar char="•"/>
+            </a:pPr>
+            <a:r>
+              <a:rPr lang="it-IT" kern="1200" dirty="0">
+                <a:latin typeface="Arial"/>
+                <a:cs typeface="Arial"/>
+              </a:rPr>
+              <a:t>R = 1</a:t>
+            </a:r>
+          </a:p>
+          <a:p>
+            <a:pPr marL="285750" indent="-285750" algn="l">
+              <a:spcAft>
+                <a:spcPts val="2400"/>
+              </a:spcAft>
+              <a:buFont typeface="Arial" panose="020B0604020202020204" pitchFamily="34" charset="0"/>
+              <a:buChar char="•"/>
+            </a:pPr>
+            <a:r>
+              <a:rPr lang="it-IT" kern="1200" dirty="0">
+                <a:latin typeface="Arial"/>
+                <a:cs typeface="Arial"/>
+              </a:rPr>
+              <a:t>N = 10</a:t>
+            </a:r>
+          </a:p>
+          <a:p>
+            <a:pPr marL="285750" indent="-285750" algn="l">
+              <a:spcAft>
+                <a:spcPts val="2400"/>
+              </a:spcAft>
+              <a:buFont typeface="Arial" panose="020B0604020202020204" pitchFamily="34" charset="0"/>
+              <a:buChar char="•"/>
+            </a:pPr>
+            <a:r>
+              <a:rPr lang="it-IT" kern="1200" dirty="0" err="1">
+                <a:latin typeface="Arial"/>
+                <a:cs typeface="Arial"/>
+              </a:rPr>
+              <a:t>T</a:t>
+            </a:r>
+            <a:r>
+              <a:rPr lang="it-IT" kern="1200" baseline="-25000" dirty="0" err="1">
+                <a:latin typeface="Arial"/>
+                <a:cs typeface="Arial"/>
+              </a:rPr>
+              <a:t>s</a:t>
+            </a:r>
+            <a:r>
+              <a:rPr lang="it-IT" kern="1200" baseline="-25000" dirty="0">
+                <a:latin typeface="Arial"/>
+                <a:cs typeface="Arial"/>
+              </a:rPr>
+              <a:t> </a:t>
+            </a:r>
+            <a:r>
+              <a:rPr lang="it-IT" kern="1200" dirty="0">
+                <a:latin typeface="Arial"/>
+                <a:cs typeface="Arial"/>
+              </a:rPr>
+              <a:t>= 1 [s] </a:t>
+            </a:r>
+          </a:p>
+          <a:p>
+            <a:pPr marL="285750" indent="-285750" algn="l">
+              <a:spcAft>
+                <a:spcPts val="2400"/>
+              </a:spcAft>
+              <a:buFont typeface="Arial" panose="020B0604020202020204" pitchFamily="34" charset="0"/>
+              <a:buChar char="•"/>
+            </a:pPr>
+            <a:r>
+              <a:rPr lang="it-IT" kern="1200" dirty="0">
+                <a:latin typeface="Arial"/>
+                <a:cs typeface="Arial"/>
+              </a:rPr>
+              <a:t>Vincolo terminale di disuguaglianza</a:t>
+            </a:r>
+          </a:p>
+        </p:txBody>
+      </p:sp>
       <p:pic>
         <p:nvPicPr>
-          <p:cNvPr id="6" name="Immagine 5" descr="Immagine che contiene testo, diagramma, linea, Parallelo&#10;&#10;Descrizione generata automaticamente">
+          <p:cNvPr id="9" name="Immagine 8" descr="Immagine che contiene testo, diagramma, linea, Diagramma&#10;&#10;Descrizione generata automaticamente">
             <a:extLst>
               <a:ext uri="{FF2B5EF4-FFF2-40B4-BE49-F238E27FC236}">
-                <a16:creationId xmlns:a16="http://schemas.microsoft.com/office/drawing/2014/main" id="{97FE191E-4CEF-D239-1C56-098BE678286B}"/>
+                <a16:creationId xmlns:a16="http://schemas.microsoft.com/office/drawing/2014/main" id="{2827674C-C677-C7E5-FC45-A29749FF7689}"/>
               </a:ext>
             </a:extLst>
           </p:cNvPr>
@@ -4103,7 +4399,7 @@
           <p:nvPr/>
         </p:nvPicPr>
         <p:blipFill>
-          <a:blip r:embed="rId2" cstate="print">
+          <a:blip r:embed="rId3" cstate="print">
             <a:extLst>
               <a:ext uri="{28A0092B-C50C-407E-A947-70E740481C1C}">
                 <a14:useLocalDpi xmlns:a14="http://schemas.microsoft.com/office/drawing/2010/main" val="0"/>
@@ -4116,8 +4412,8 @@
         </p:blipFill>
         <p:spPr>
           <a:xfrm>
-            <a:off x="4159792" y="1219200"/>
-            <a:ext cx="7494746" cy="4712355"/>
+            <a:off x="3962400" y="990600"/>
+            <a:ext cx="8072247" cy="5094043"/>
           </a:xfrm>
           <a:prstGeom prst="rect">
             <a:avLst/>
@@ -4336,6 +4632,1010 @@
 </file>
 
 <file path=ppt/slides/slide20.xml><?xml version="1.0" encoding="utf-8"?>
+<p:sld xmlns:a="http://schemas.openxmlformats.org/drawingml/2006/main" xmlns:r="http://schemas.openxmlformats.org/officeDocument/2006/relationships" xmlns:p="http://schemas.openxmlformats.org/presentationml/2006/main">
+  <p:cSld>
+    <p:spTree>
+      <p:nvGrpSpPr>
+        <p:cNvPr id="1" name=""/>
+        <p:cNvGrpSpPr/>
+        <p:nvPr/>
+      </p:nvGrpSpPr>
+      <p:grpSpPr>
+        <a:xfrm>
+          <a:off x="0" y="0"/>
+          <a:ext cx="0" cy="0"/>
+          <a:chOff x="0" y="0"/>
+          <a:chExt cx="0" cy="0"/>
+        </a:xfrm>
+      </p:grpSpPr>
+      <p:sp>
+        <p:nvSpPr>
+          <p:cNvPr id="2" name="Titolo 1">
+            <a:extLst>
+              <a:ext uri="{FF2B5EF4-FFF2-40B4-BE49-F238E27FC236}">
+                <a16:creationId xmlns:a16="http://schemas.microsoft.com/office/drawing/2014/main" id="{41143DF5-1DC2-910A-90E6-92132E2B1E7E}"/>
+              </a:ext>
+            </a:extLst>
+          </p:cNvPr>
+          <p:cNvSpPr>
+            <a:spLocks noGrp="1"/>
+          </p:cNvSpPr>
+          <p:nvPr>
+            <p:ph type="title"/>
+          </p:nvPr>
+        </p:nvSpPr>
+        <p:spPr>
+          <a:xfrm>
+            <a:off x="842262" y="482930"/>
+            <a:ext cx="7692138" cy="538609"/>
+          </a:xfrm>
+        </p:spPr>
+        <p:txBody>
+          <a:bodyPr/>
+          <a:lstStyle/>
+          <a:p>
+            <a:r>
+              <a:rPr lang="it-IT" sz="3500" b="1" spc="-5" dirty="0">
+                <a:latin typeface="Arial"/>
+                <a:cs typeface="Arial"/>
+              </a:rPr>
+              <a:t>Simulazione 2: Control </a:t>
+            </a:r>
+            <a:r>
+              <a:rPr lang="it-IT" sz="3500" b="1" spc="-5" dirty="0" err="1">
+                <a:latin typeface="Arial"/>
+                <a:cs typeface="Arial"/>
+              </a:rPr>
+              <a:t>invariant</a:t>
+            </a:r>
+            <a:r>
+              <a:rPr lang="it-IT" sz="3500" b="1" spc="-5" dirty="0">
+                <a:latin typeface="Arial"/>
+                <a:cs typeface="Arial"/>
+              </a:rPr>
+              <a:t> set</a:t>
+            </a:r>
+          </a:p>
+        </p:txBody>
+      </p:sp>
+      <p:sp>
+        <p:nvSpPr>
+          <p:cNvPr id="3" name="Segnaposto testo 2">
+            <a:extLst>
+              <a:ext uri="{FF2B5EF4-FFF2-40B4-BE49-F238E27FC236}">
+                <a16:creationId xmlns:a16="http://schemas.microsoft.com/office/drawing/2014/main" id="{31694F71-4418-6177-EA70-856A063E0D4D}"/>
+              </a:ext>
+            </a:extLst>
+          </p:cNvPr>
+          <p:cNvSpPr>
+            <a:spLocks noGrp="1"/>
+          </p:cNvSpPr>
+          <p:nvPr>
+            <p:ph type="body" idx="1"/>
+          </p:nvPr>
+        </p:nvSpPr>
+        <p:spPr>
+          <a:xfrm>
+            <a:off x="8534400" y="1705451"/>
+            <a:ext cx="2891538" cy="3447098"/>
+          </a:xfrm>
+        </p:spPr>
+        <p:txBody>
+          <a:bodyPr/>
+          <a:lstStyle/>
+          <a:p>
+            <a:pPr marL="285750" indent="-285750" algn="l">
+              <a:spcAft>
+                <a:spcPts val="2400"/>
+              </a:spcAft>
+              <a:buFont typeface="Arial" panose="020B0604020202020204" pitchFamily="34" charset="0"/>
+              <a:buChar char="•"/>
+            </a:pPr>
+            <a:r>
+              <a:rPr lang="it-IT" kern="1200" dirty="0">
+                <a:latin typeface="Arial"/>
+                <a:cs typeface="Arial"/>
+              </a:rPr>
+              <a:t>Q = 10000 * </a:t>
+            </a:r>
+            <a:r>
+              <a:rPr lang="it-IT" kern="1200" dirty="0" err="1">
+                <a:latin typeface="Arial"/>
+                <a:cs typeface="Arial"/>
+              </a:rPr>
+              <a:t>eye</a:t>
+            </a:r>
+            <a:r>
+              <a:rPr lang="it-IT" kern="1200" dirty="0">
+                <a:latin typeface="Arial"/>
+                <a:cs typeface="Arial"/>
+              </a:rPr>
+              <a:t>(3)</a:t>
+            </a:r>
+          </a:p>
+          <a:p>
+            <a:pPr marL="285750" indent="-285750" algn="l">
+              <a:spcAft>
+                <a:spcPts val="2400"/>
+              </a:spcAft>
+              <a:buFont typeface="Arial" panose="020B0604020202020204" pitchFamily="34" charset="0"/>
+              <a:buChar char="•"/>
+            </a:pPr>
+            <a:r>
+              <a:rPr lang="it-IT" kern="1200" dirty="0">
+                <a:latin typeface="Arial"/>
+                <a:cs typeface="Arial"/>
+              </a:rPr>
+              <a:t>R = 1</a:t>
+            </a:r>
+          </a:p>
+          <a:p>
+            <a:pPr marL="285750" indent="-285750" algn="l">
+              <a:spcAft>
+                <a:spcPts val="2400"/>
+              </a:spcAft>
+              <a:buFont typeface="Arial" panose="020B0604020202020204" pitchFamily="34" charset="0"/>
+              <a:buChar char="•"/>
+            </a:pPr>
+            <a:r>
+              <a:rPr lang="it-IT" kern="1200" dirty="0">
+                <a:latin typeface="Arial"/>
+                <a:cs typeface="Arial"/>
+              </a:rPr>
+              <a:t>N = 10</a:t>
+            </a:r>
+          </a:p>
+          <a:p>
+            <a:pPr marL="285750" indent="-285750" algn="l">
+              <a:spcAft>
+                <a:spcPts val="2400"/>
+              </a:spcAft>
+              <a:buFont typeface="Arial" panose="020B0604020202020204" pitchFamily="34" charset="0"/>
+              <a:buChar char="•"/>
+            </a:pPr>
+            <a:r>
+              <a:rPr lang="it-IT" kern="1200" dirty="0" err="1">
+                <a:latin typeface="Arial"/>
+                <a:cs typeface="Arial"/>
+              </a:rPr>
+              <a:t>T</a:t>
+            </a:r>
+            <a:r>
+              <a:rPr lang="it-IT" kern="1200" baseline="-25000" dirty="0" err="1">
+                <a:latin typeface="Arial"/>
+                <a:cs typeface="Arial"/>
+              </a:rPr>
+              <a:t>s</a:t>
+            </a:r>
+            <a:r>
+              <a:rPr lang="it-IT" kern="1200" baseline="-25000" dirty="0">
+                <a:latin typeface="Arial"/>
+                <a:cs typeface="Arial"/>
+              </a:rPr>
+              <a:t> </a:t>
+            </a:r>
+            <a:r>
+              <a:rPr lang="it-IT" kern="1200" dirty="0">
+                <a:latin typeface="Arial"/>
+                <a:cs typeface="Arial"/>
+              </a:rPr>
+              <a:t>= 1 [s] </a:t>
+            </a:r>
+          </a:p>
+          <a:p>
+            <a:pPr marL="285750" indent="-285750" algn="l">
+              <a:spcAft>
+                <a:spcPts val="2400"/>
+              </a:spcAft>
+              <a:buFont typeface="Arial" panose="020B0604020202020204" pitchFamily="34" charset="0"/>
+              <a:buChar char="•"/>
+            </a:pPr>
+            <a:r>
+              <a:rPr lang="it-IT" kern="1200" dirty="0">
+                <a:latin typeface="Arial"/>
+                <a:cs typeface="Arial"/>
+              </a:rPr>
+              <a:t>Vincolo terminale di disuguaglianza</a:t>
+            </a:r>
+          </a:p>
+        </p:txBody>
+      </p:sp>
+      <p:pic>
+        <p:nvPicPr>
+          <p:cNvPr id="8" name="Immagine 7" descr="Immagine che contiene testo, diagramma, schermata, linea&#10;&#10;Descrizione generata automaticamente">
+            <a:extLst>
+              <a:ext uri="{FF2B5EF4-FFF2-40B4-BE49-F238E27FC236}">
+                <a16:creationId xmlns:a16="http://schemas.microsoft.com/office/drawing/2014/main" id="{DBB7C467-A648-9DFC-0B4D-81B03AB146A1}"/>
+              </a:ext>
+            </a:extLst>
+          </p:cNvPr>
+          <p:cNvPicPr>
+            <a:picLocks noChangeAspect="1"/>
+          </p:cNvPicPr>
+          <p:nvPr/>
+        </p:nvPicPr>
+        <p:blipFill>
+          <a:blip r:embed="rId2" cstate="print">
+            <a:extLst>
+              <a:ext uri="{28A0092B-C50C-407E-A947-70E740481C1C}">
+                <a14:useLocalDpi xmlns:a14="http://schemas.microsoft.com/office/drawing/2010/main" val="0"/>
+              </a:ext>
+            </a:extLst>
+          </a:blip>
+          <a:stretch>
+            <a:fillRect/>
+          </a:stretch>
+        </p:blipFill>
+        <p:spPr>
+          <a:xfrm>
+            <a:off x="761146" y="1021539"/>
+            <a:ext cx="7124750" cy="4995127"/>
+          </a:xfrm>
+          <a:prstGeom prst="rect">
+            <a:avLst/>
+          </a:prstGeom>
+        </p:spPr>
+      </p:pic>
+    </p:spTree>
+    <p:extLst>
+      <p:ext uri="{BB962C8B-B14F-4D97-AF65-F5344CB8AC3E}">
+        <p14:creationId xmlns:p14="http://schemas.microsoft.com/office/powerpoint/2010/main" val="3389835058"/>
+      </p:ext>
+    </p:extLst>
+  </p:cSld>
+  <p:clrMapOvr>
+    <a:masterClrMapping/>
+  </p:clrMapOvr>
+</p:sld>
+</file>
+
+<file path=ppt/slides/slide21.xml><?xml version="1.0" encoding="utf-8"?>
+<p:sld xmlns:a="http://schemas.openxmlformats.org/drawingml/2006/main" xmlns:r="http://schemas.openxmlformats.org/officeDocument/2006/relationships" xmlns:p="http://schemas.openxmlformats.org/presentationml/2006/main">
+  <p:cSld>
+    <p:spTree>
+      <p:nvGrpSpPr>
+        <p:cNvPr id="1" name=""/>
+        <p:cNvGrpSpPr/>
+        <p:nvPr/>
+      </p:nvGrpSpPr>
+      <p:grpSpPr>
+        <a:xfrm>
+          <a:off x="0" y="0"/>
+          <a:ext cx="0" cy="0"/>
+          <a:chOff x="0" y="0"/>
+          <a:chExt cx="0" cy="0"/>
+        </a:xfrm>
+      </p:grpSpPr>
+      <p:sp>
+        <p:nvSpPr>
+          <p:cNvPr id="2" name="Titolo 1">
+            <a:extLst>
+              <a:ext uri="{FF2B5EF4-FFF2-40B4-BE49-F238E27FC236}">
+                <a16:creationId xmlns:a16="http://schemas.microsoft.com/office/drawing/2014/main" id="{83133A0E-2B7C-5844-3440-3C5B4052CB30}"/>
+              </a:ext>
+            </a:extLst>
+          </p:cNvPr>
+          <p:cNvSpPr>
+            <a:spLocks noGrp="1"/>
+          </p:cNvSpPr>
+          <p:nvPr>
+            <p:ph type="title"/>
+          </p:nvPr>
+        </p:nvSpPr>
+        <p:spPr>
+          <a:xfrm>
+            <a:off x="842262" y="482930"/>
+            <a:ext cx="9673337" cy="538609"/>
+          </a:xfrm>
+        </p:spPr>
+        <p:txBody>
+          <a:bodyPr/>
+          <a:lstStyle/>
+          <a:p>
+            <a:r>
+              <a:rPr lang="it-IT" sz="3500" b="1" spc="-5" dirty="0">
+                <a:latin typeface="Arial"/>
+                <a:cs typeface="Arial"/>
+              </a:rPr>
+              <a:t>Simulazione 2: N-Step </a:t>
+            </a:r>
+            <a:r>
+              <a:rPr lang="it-IT" sz="3500" b="1" spc="-5" dirty="0" err="1">
+                <a:latin typeface="Arial"/>
+                <a:cs typeface="Arial"/>
+              </a:rPr>
+              <a:t>controllable</a:t>
+            </a:r>
+            <a:r>
+              <a:rPr lang="it-IT" sz="3500" b="1" spc="-5" dirty="0">
+                <a:latin typeface="Arial"/>
+                <a:cs typeface="Arial"/>
+              </a:rPr>
+              <a:t> set</a:t>
+            </a:r>
+          </a:p>
+        </p:txBody>
+      </p:sp>
+      <p:sp>
+        <p:nvSpPr>
+          <p:cNvPr id="3" name="Segnaposto testo 2">
+            <a:extLst>
+              <a:ext uri="{FF2B5EF4-FFF2-40B4-BE49-F238E27FC236}">
+                <a16:creationId xmlns:a16="http://schemas.microsoft.com/office/drawing/2014/main" id="{F561F521-31D0-1A6A-55B2-7A1F4E13B2FB}"/>
+              </a:ext>
+            </a:extLst>
+          </p:cNvPr>
+          <p:cNvSpPr>
+            <a:spLocks noGrp="1"/>
+          </p:cNvSpPr>
+          <p:nvPr>
+            <p:ph type="body" idx="1"/>
+          </p:nvPr>
+        </p:nvSpPr>
+        <p:spPr>
+          <a:xfrm>
+            <a:off x="9069830" y="1600200"/>
+            <a:ext cx="2891538" cy="3447098"/>
+          </a:xfrm>
+        </p:spPr>
+        <p:txBody>
+          <a:bodyPr/>
+          <a:lstStyle/>
+          <a:p>
+            <a:pPr marL="285750" indent="-285750" algn="l">
+              <a:spcAft>
+                <a:spcPts val="2400"/>
+              </a:spcAft>
+              <a:buFont typeface="Arial" panose="020B0604020202020204" pitchFamily="34" charset="0"/>
+              <a:buChar char="•"/>
+            </a:pPr>
+            <a:r>
+              <a:rPr lang="it-IT" kern="1200" dirty="0">
+                <a:latin typeface="Arial"/>
+                <a:cs typeface="Arial"/>
+              </a:rPr>
+              <a:t>Q = 10000 * </a:t>
+            </a:r>
+            <a:r>
+              <a:rPr lang="it-IT" kern="1200" dirty="0" err="1">
+                <a:latin typeface="Arial"/>
+                <a:cs typeface="Arial"/>
+              </a:rPr>
+              <a:t>eye</a:t>
+            </a:r>
+            <a:r>
+              <a:rPr lang="it-IT" kern="1200" dirty="0">
+                <a:latin typeface="Arial"/>
+                <a:cs typeface="Arial"/>
+              </a:rPr>
+              <a:t>(3)</a:t>
+            </a:r>
+          </a:p>
+          <a:p>
+            <a:pPr marL="285750" indent="-285750" algn="l">
+              <a:spcAft>
+                <a:spcPts val="2400"/>
+              </a:spcAft>
+              <a:buFont typeface="Arial" panose="020B0604020202020204" pitchFamily="34" charset="0"/>
+              <a:buChar char="•"/>
+            </a:pPr>
+            <a:r>
+              <a:rPr lang="it-IT" kern="1200" dirty="0">
+                <a:latin typeface="Arial"/>
+                <a:cs typeface="Arial"/>
+              </a:rPr>
+              <a:t>R = 1</a:t>
+            </a:r>
+          </a:p>
+          <a:p>
+            <a:pPr marL="285750" indent="-285750" algn="l">
+              <a:spcAft>
+                <a:spcPts val="2400"/>
+              </a:spcAft>
+              <a:buFont typeface="Arial" panose="020B0604020202020204" pitchFamily="34" charset="0"/>
+              <a:buChar char="•"/>
+            </a:pPr>
+            <a:r>
+              <a:rPr lang="it-IT" kern="1200" dirty="0">
+                <a:latin typeface="Arial"/>
+                <a:cs typeface="Arial"/>
+              </a:rPr>
+              <a:t>N = 10</a:t>
+            </a:r>
+          </a:p>
+          <a:p>
+            <a:pPr marL="285750" indent="-285750" algn="l">
+              <a:spcAft>
+                <a:spcPts val="2400"/>
+              </a:spcAft>
+              <a:buFont typeface="Arial" panose="020B0604020202020204" pitchFamily="34" charset="0"/>
+              <a:buChar char="•"/>
+            </a:pPr>
+            <a:r>
+              <a:rPr lang="it-IT" kern="1200" dirty="0" err="1">
+                <a:latin typeface="Arial"/>
+                <a:cs typeface="Arial"/>
+              </a:rPr>
+              <a:t>T</a:t>
+            </a:r>
+            <a:r>
+              <a:rPr lang="it-IT" kern="1200" baseline="-25000" dirty="0" err="1">
+                <a:latin typeface="Arial"/>
+                <a:cs typeface="Arial"/>
+              </a:rPr>
+              <a:t>s</a:t>
+            </a:r>
+            <a:r>
+              <a:rPr lang="it-IT" kern="1200" baseline="-25000" dirty="0">
+                <a:latin typeface="Arial"/>
+                <a:cs typeface="Arial"/>
+              </a:rPr>
+              <a:t> </a:t>
+            </a:r>
+            <a:r>
+              <a:rPr lang="it-IT" kern="1200" dirty="0">
+                <a:latin typeface="Arial"/>
+                <a:cs typeface="Arial"/>
+              </a:rPr>
+              <a:t>= 1 [s] </a:t>
+            </a:r>
+          </a:p>
+          <a:p>
+            <a:pPr marL="285750" indent="-285750" algn="l">
+              <a:spcAft>
+                <a:spcPts val="2400"/>
+              </a:spcAft>
+              <a:buFont typeface="Arial" panose="020B0604020202020204" pitchFamily="34" charset="0"/>
+              <a:buChar char="•"/>
+            </a:pPr>
+            <a:r>
+              <a:rPr lang="it-IT" kern="1200" dirty="0">
+                <a:latin typeface="Arial"/>
+                <a:cs typeface="Arial"/>
+              </a:rPr>
+              <a:t>Vincolo terminale di disuguaglianza</a:t>
+            </a:r>
+          </a:p>
+        </p:txBody>
+      </p:sp>
+      <p:pic>
+        <p:nvPicPr>
+          <p:cNvPr id="5" name="Immagine 4" descr="Immagine che contiene testo, diagramma, schermata, linea&#10;&#10;Descrizione generata automaticamente">
+            <a:extLst>
+              <a:ext uri="{FF2B5EF4-FFF2-40B4-BE49-F238E27FC236}">
+                <a16:creationId xmlns:a16="http://schemas.microsoft.com/office/drawing/2014/main" id="{616537BD-2786-7FE6-F8B0-8B30980AD146}"/>
+              </a:ext>
+            </a:extLst>
+          </p:cNvPr>
+          <p:cNvPicPr>
+            <a:picLocks noChangeAspect="1"/>
+          </p:cNvPicPr>
+          <p:nvPr/>
+        </p:nvPicPr>
+        <p:blipFill>
+          <a:blip r:embed="rId2" cstate="print">
+            <a:extLst>
+              <a:ext uri="{28A0092B-C50C-407E-A947-70E740481C1C}">
+                <a14:useLocalDpi xmlns:a14="http://schemas.microsoft.com/office/drawing/2010/main" val="0"/>
+              </a:ext>
+            </a:extLst>
+          </a:blip>
+          <a:stretch>
+            <a:fillRect/>
+          </a:stretch>
+        </p:blipFill>
+        <p:spPr>
+          <a:xfrm>
+            <a:off x="510917" y="898930"/>
+            <a:ext cx="8558913" cy="5060139"/>
+          </a:xfrm>
+          <a:prstGeom prst="rect">
+            <a:avLst/>
+          </a:prstGeom>
+        </p:spPr>
+      </p:pic>
+    </p:spTree>
+    <p:extLst>
+      <p:ext uri="{BB962C8B-B14F-4D97-AF65-F5344CB8AC3E}">
+        <p14:creationId xmlns:p14="http://schemas.microsoft.com/office/powerpoint/2010/main" val="2904170367"/>
+      </p:ext>
+    </p:extLst>
+  </p:cSld>
+  <p:clrMapOvr>
+    <a:masterClrMapping/>
+  </p:clrMapOvr>
+</p:sld>
+</file>
+
+<file path=ppt/slides/slide22.xml><?xml version="1.0" encoding="utf-8"?>
+<p:sld xmlns:a="http://schemas.openxmlformats.org/drawingml/2006/main" xmlns:r="http://schemas.openxmlformats.org/officeDocument/2006/relationships" xmlns:p="http://schemas.openxmlformats.org/presentationml/2006/main">
+  <p:cSld>
+    <p:spTree>
+      <p:nvGrpSpPr>
+        <p:cNvPr id="1" name=""/>
+        <p:cNvGrpSpPr/>
+        <p:nvPr/>
+      </p:nvGrpSpPr>
+      <p:grpSpPr>
+        <a:xfrm>
+          <a:off x="0" y="0"/>
+          <a:ext cx="0" cy="0"/>
+          <a:chOff x="0" y="0"/>
+          <a:chExt cx="0" cy="0"/>
+        </a:xfrm>
+      </p:grpSpPr>
+      <p:sp>
+        <p:nvSpPr>
+          <p:cNvPr id="2" name="Titolo 1">
+            <a:extLst>
+              <a:ext uri="{FF2B5EF4-FFF2-40B4-BE49-F238E27FC236}">
+                <a16:creationId xmlns:a16="http://schemas.microsoft.com/office/drawing/2014/main" id="{83133A0E-2B7C-5844-3440-3C5B4052CB30}"/>
+              </a:ext>
+            </a:extLst>
+          </p:cNvPr>
+          <p:cNvSpPr>
+            <a:spLocks noGrp="1"/>
+          </p:cNvSpPr>
+          <p:nvPr>
+            <p:ph type="title"/>
+          </p:nvPr>
+        </p:nvSpPr>
+        <p:spPr>
+          <a:xfrm>
+            <a:off x="842262" y="482930"/>
+            <a:ext cx="9673337" cy="538609"/>
+          </a:xfrm>
+        </p:spPr>
+        <p:txBody>
+          <a:bodyPr/>
+          <a:lstStyle/>
+          <a:p>
+            <a:r>
+              <a:rPr lang="it-IT" sz="3500" b="1" spc="-5" dirty="0">
+                <a:latin typeface="Arial"/>
+                <a:cs typeface="Arial"/>
+              </a:rPr>
+              <a:t>Simulazione 2: Simulazione con MPC</a:t>
+            </a:r>
+          </a:p>
+        </p:txBody>
+      </p:sp>
+      <p:sp>
+        <p:nvSpPr>
+          <p:cNvPr id="3" name="Segnaposto testo 2">
+            <a:extLst>
+              <a:ext uri="{FF2B5EF4-FFF2-40B4-BE49-F238E27FC236}">
+                <a16:creationId xmlns:a16="http://schemas.microsoft.com/office/drawing/2014/main" id="{8DB66755-9193-593E-035B-AACAF0B74B25}"/>
+              </a:ext>
+            </a:extLst>
+          </p:cNvPr>
+          <p:cNvSpPr>
+            <a:spLocks noGrp="1"/>
+          </p:cNvSpPr>
+          <p:nvPr>
+            <p:ph type="body" idx="1"/>
+          </p:nvPr>
+        </p:nvSpPr>
+        <p:spPr>
+          <a:xfrm>
+            <a:off x="9144000" y="1705451"/>
+            <a:ext cx="2891538" cy="3447098"/>
+          </a:xfrm>
+        </p:spPr>
+        <p:txBody>
+          <a:bodyPr/>
+          <a:lstStyle/>
+          <a:p>
+            <a:pPr marL="285750" indent="-285750" algn="l">
+              <a:spcAft>
+                <a:spcPts val="2400"/>
+              </a:spcAft>
+              <a:buFont typeface="Arial" panose="020B0604020202020204" pitchFamily="34" charset="0"/>
+              <a:buChar char="•"/>
+            </a:pPr>
+            <a:r>
+              <a:rPr lang="it-IT" kern="1200" dirty="0">
+                <a:latin typeface="Arial"/>
+                <a:cs typeface="Arial"/>
+              </a:rPr>
+              <a:t>Q = 10000 * </a:t>
+            </a:r>
+            <a:r>
+              <a:rPr lang="it-IT" kern="1200" dirty="0" err="1">
+                <a:latin typeface="Arial"/>
+                <a:cs typeface="Arial"/>
+              </a:rPr>
+              <a:t>eye</a:t>
+            </a:r>
+            <a:r>
+              <a:rPr lang="it-IT" kern="1200" dirty="0">
+                <a:latin typeface="Arial"/>
+                <a:cs typeface="Arial"/>
+              </a:rPr>
+              <a:t>(3)</a:t>
+            </a:r>
+          </a:p>
+          <a:p>
+            <a:pPr marL="285750" indent="-285750" algn="l">
+              <a:spcAft>
+                <a:spcPts val="2400"/>
+              </a:spcAft>
+              <a:buFont typeface="Arial" panose="020B0604020202020204" pitchFamily="34" charset="0"/>
+              <a:buChar char="•"/>
+            </a:pPr>
+            <a:r>
+              <a:rPr lang="it-IT" kern="1200" dirty="0">
+                <a:latin typeface="Arial"/>
+                <a:cs typeface="Arial"/>
+              </a:rPr>
+              <a:t>R = 1</a:t>
+            </a:r>
+          </a:p>
+          <a:p>
+            <a:pPr marL="285750" indent="-285750" algn="l">
+              <a:spcAft>
+                <a:spcPts val="2400"/>
+              </a:spcAft>
+              <a:buFont typeface="Arial" panose="020B0604020202020204" pitchFamily="34" charset="0"/>
+              <a:buChar char="•"/>
+            </a:pPr>
+            <a:r>
+              <a:rPr lang="it-IT" kern="1200" dirty="0">
+                <a:latin typeface="Arial"/>
+                <a:cs typeface="Arial"/>
+              </a:rPr>
+              <a:t>N = 10</a:t>
+            </a:r>
+          </a:p>
+          <a:p>
+            <a:pPr marL="285750" indent="-285750" algn="l">
+              <a:spcAft>
+                <a:spcPts val="2400"/>
+              </a:spcAft>
+              <a:buFont typeface="Arial" panose="020B0604020202020204" pitchFamily="34" charset="0"/>
+              <a:buChar char="•"/>
+            </a:pPr>
+            <a:r>
+              <a:rPr lang="it-IT" kern="1200" dirty="0" err="1">
+                <a:latin typeface="Arial"/>
+                <a:cs typeface="Arial"/>
+              </a:rPr>
+              <a:t>T</a:t>
+            </a:r>
+            <a:r>
+              <a:rPr lang="it-IT" kern="1200" baseline="-25000" dirty="0" err="1">
+                <a:latin typeface="Arial"/>
+                <a:cs typeface="Arial"/>
+              </a:rPr>
+              <a:t>s</a:t>
+            </a:r>
+            <a:r>
+              <a:rPr lang="it-IT" kern="1200" baseline="-25000" dirty="0">
+                <a:latin typeface="Arial"/>
+                <a:cs typeface="Arial"/>
+              </a:rPr>
+              <a:t> </a:t>
+            </a:r>
+            <a:r>
+              <a:rPr lang="it-IT" kern="1200" dirty="0">
+                <a:latin typeface="Arial"/>
+                <a:cs typeface="Arial"/>
+              </a:rPr>
+              <a:t>= 1 [s] </a:t>
+            </a:r>
+          </a:p>
+          <a:p>
+            <a:pPr marL="285750" indent="-285750" algn="l">
+              <a:spcAft>
+                <a:spcPts val="2400"/>
+              </a:spcAft>
+              <a:buFont typeface="Arial" panose="020B0604020202020204" pitchFamily="34" charset="0"/>
+              <a:buChar char="•"/>
+            </a:pPr>
+            <a:r>
+              <a:rPr lang="it-IT" kern="1200" dirty="0">
+                <a:latin typeface="Arial"/>
+                <a:cs typeface="Arial"/>
+              </a:rPr>
+              <a:t>Vincolo terminale di disuguaglianza</a:t>
+            </a:r>
+          </a:p>
+        </p:txBody>
+      </p:sp>
+      <p:pic>
+        <p:nvPicPr>
+          <p:cNvPr id="5" name="Immagine 4" descr="Immagine che contiene testo, diagramma, linea, Diagramma&#10;&#10;Descrizione generata automaticamente">
+            <a:extLst>
+              <a:ext uri="{FF2B5EF4-FFF2-40B4-BE49-F238E27FC236}">
+                <a16:creationId xmlns:a16="http://schemas.microsoft.com/office/drawing/2014/main" id="{344DA34A-C4BC-4191-8579-F9A5528B4A5F}"/>
+              </a:ext>
+            </a:extLst>
+          </p:cNvPr>
+          <p:cNvPicPr>
+            <a:picLocks noChangeAspect="1"/>
+          </p:cNvPicPr>
+          <p:nvPr/>
+        </p:nvPicPr>
+        <p:blipFill>
+          <a:blip r:embed="rId2" cstate="print">
+            <a:extLst>
+              <a:ext uri="{28A0092B-C50C-407E-A947-70E740481C1C}">
+                <a14:useLocalDpi xmlns:a14="http://schemas.microsoft.com/office/drawing/2010/main" val="0"/>
+              </a:ext>
+            </a:extLst>
+          </a:blip>
+          <a:stretch>
+            <a:fillRect/>
+          </a:stretch>
+        </p:blipFill>
+        <p:spPr>
+          <a:xfrm>
+            <a:off x="557260" y="1021539"/>
+            <a:ext cx="8425281" cy="4998261"/>
+          </a:xfrm>
+          <a:prstGeom prst="rect">
+            <a:avLst/>
+          </a:prstGeom>
+        </p:spPr>
+      </p:pic>
+    </p:spTree>
+    <p:extLst>
+      <p:ext uri="{BB962C8B-B14F-4D97-AF65-F5344CB8AC3E}">
+        <p14:creationId xmlns:p14="http://schemas.microsoft.com/office/powerpoint/2010/main" val="2683709816"/>
+      </p:ext>
+    </p:extLst>
+  </p:cSld>
+  <p:clrMapOvr>
+    <a:masterClrMapping/>
+  </p:clrMapOvr>
+</p:sld>
+</file>
+
+<file path=ppt/slides/slide23.xml><?xml version="1.0" encoding="utf-8"?>
+<p:sld xmlns:a="http://schemas.openxmlformats.org/drawingml/2006/main" xmlns:r="http://schemas.openxmlformats.org/officeDocument/2006/relationships" xmlns:p="http://schemas.openxmlformats.org/presentationml/2006/main">
+  <p:cSld>
+    <p:spTree>
+      <p:nvGrpSpPr>
+        <p:cNvPr id="1" name=""/>
+        <p:cNvGrpSpPr/>
+        <p:nvPr/>
+      </p:nvGrpSpPr>
+      <p:grpSpPr>
+        <a:xfrm>
+          <a:off x="0" y="0"/>
+          <a:ext cx="0" cy="0"/>
+          <a:chOff x="0" y="0"/>
+          <a:chExt cx="0" cy="0"/>
+        </a:xfrm>
+      </p:grpSpPr>
+      <p:sp>
+        <p:nvSpPr>
+          <p:cNvPr id="2" name="Titolo 1">
+            <a:extLst>
+              <a:ext uri="{FF2B5EF4-FFF2-40B4-BE49-F238E27FC236}">
+                <a16:creationId xmlns:a16="http://schemas.microsoft.com/office/drawing/2014/main" id="{83133A0E-2B7C-5844-3440-3C5B4052CB30}"/>
+              </a:ext>
+            </a:extLst>
+          </p:cNvPr>
+          <p:cNvSpPr>
+            <a:spLocks noGrp="1"/>
+          </p:cNvSpPr>
+          <p:nvPr>
+            <p:ph type="title"/>
+          </p:nvPr>
+        </p:nvSpPr>
+        <p:spPr>
+          <a:xfrm>
+            <a:off x="842262" y="482930"/>
+            <a:ext cx="9673337" cy="1077218"/>
+          </a:xfrm>
+        </p:spPr>
+        <p:txBody>
+          <a:bodyPr/>
+          <a:lstStyle/>
+          <a:p>
+            <a:r>
+              <a:rPr lang="it-IT" sz="3500" b="1" spc="-5" dirty="0">
+                <a:latin typeface="Arial"/>
+                <a:cs typeface="Arial"/>
+              </a:rPr>
+              <a:t>Simulazione 2: Traiettoria dei singoli stati e ingresso</a:t>
+            </a:r>
+          </a:p>
+        </p:txBody>
+      </p:sp>
+      <p:sp>
+        <p:nvSpPr>
+          <p:cNvPr id="3" name="Segnaposto testo 2">
+            <a:extLst>
+              <a:ext uri="{FF2B5EF4-FFF2-40B4-BE49-F238E27FC236}">
+                <a16:creationId xmlns:a16="http://schemas.microsoft.com/office/drawing/2014/main" id="{BC66AB6D-8201-7AEF-E177-A701E920BD79}"/>
+              </a:ext>
+            </a:extLst>
+          </p:cNvPr>
+          <p:cNvSpPr>
+            <a:spLocks noGrp="1"/>
+          </p:cNvSpPr>
+          <p:nvPr>
+            <p:ph type="body" idx="1"/>
+          </p:nvPr>
+        </p:nvSpPr>
+        <p:spPr>
+          <a:xfrm>
+            <a:off x="842262" y="1851828"/>
+            <a:ext cx="2891538" cy="3447098"/>
+          </a:xfrm>
+        </p:spPr>
+        <p:txBody>
+          <a:bodyPr/>
+          <a:lstStyle/>
+          <a:p>
+            <a:pPr marL="285750" indent="-285750" algn="l">
+              <a:spcAft>
+                <a:spcPts val="2400"/>
+              </a:spcAft>
+              <a:buFont typeface="Arial" panose="020B0604020202020204" pitchFamily="34" charset="0"/>
+              <a:buChar char="•"/>
+            </a:pPr>
+            <a:r>
+              <a:rPr lang="it-IT" kern="1200" dirty="0">
+                <a:latin typeface="Arial"/>
+                <a:cs typeface="Arial"/>
+              </a:rPr>
+              <a:t>Q = 10000 * </a:t>
+            </a:r>
+            <a:r>
+              <a:rPr lang="it-IT" kern="1200" dirty="0" err="1">
+                <a:latin typeface="Arial"/>
+                <a:cs typeface="Arial"/>
+              </a:rPr>
+              <a:t>eye</a:t>
+            </a:r>
+            <a:r>
+              <a:rPr lang="it-IT" kern="1200" dirty="0">
+                <a:latin typeface="Arial"/>
+                <a:cs typeface="Arial"/>
+              </a:rPr>
+              <a:t>(3)</a:t>
+            </a:r>
+          </a:p>
+          <a:p>
+            <a:pPr marL="285750" indent="-285750" algn="l">
+              <a:spcAft>
+                <a:spcPts val="2400"/>
+              </a:spcAft>
+              <a:buFont typeface="Arial" panose="020B0604020202020204" pitchFamily="34" charset="0"/>
+              <a:buChar char="•"/>
+            </a:pPr>
+            <a:r>
+              <a:rPr lang="it-IT" kern="1200" dirty="0">
+                <a:latin typeface="Arial"/>
+                <a:cs typeface="Arial"/>
+              </a:rPr>
+              <a:t>R = 1</a:t>
+            </a:r>
+          </a:p>
+          <a:p>
+            <a:pPr marL="285750" indent="-285750" algn="l">
+              <a:spcAft>
+                <a:spcPts val="2400"/>
+              </a:spcAft>
+              <a:buFont typeface="Arial" panose="020B0604020202020204" pitchFamily="34" charset="0"/>
+              <a:buChar char="•"/>
+            </a:pPr>
+            <a:r>
+              <a:rPr lang="it-IT" kern="1200" dirty="0">
+                <a:latin typeface="Arial"/>
+                <a:cs typeface="Arial"/>
+              </a:rPr>
+              <a:t>N = 10</a:t>
+            </a:r>
+          </a:p>
+          <a:p>
+            <a:pPr marL="285750" indent="-285750" algn="l">
+              <a:spcAft>
+                <a:spcPts val="2400"/>
+              </a:spcAft>
+              <a:buFont typeface="Arial" panose="020B0604020202020204" pitchFamily="34" charset="0"/>
+              <a:buChar char="•"/>
+            </a:pPr>
+            <a:r>
+              <a:rPr lang="it-IT" kern="1200" dirty="0" err="1">
+                <a:latin typeface="Arial"/>
+                <a:cs typeface="Arial"/>
+              </a:rPr>
+              <a:t>T</a:t>
+            </a:r>
+            <a:r>
+              <a:rPr lang="it-IT" kern="1200" baseline="-25000" dirty="0" err="1">
+                <a:latin typeface="Arial"/>
+                <a:cs typeface="Arial"/>
+              </a:rPr>
+              <a:t>s</a:t>
+            </a:r>
+            <a:r>
+              <a:rPr lang="it-IT" kern="1200" baseline="-25000" dirty="0">
+                <a:latin typeface="Arial"/>
+                <a:cs typeface="Arial"/>
+              </a:rPr>
+              <a:t> </a:t>
+            </a:r>
+            <a:r>
+              <a:rPr lang="it-IT" kern="1200" dirty="0">
+                <a:latin typeface="Arial"/>
+                <a:cs typeface="Arial"/>
+              </a:rPr>
+              <a:t>= 1 [s] </a:t>
+            </a:r>
+          </a:p>
+          <a:p>
+            <a:pPr marL="285750" indent="-285750" algn="l">
+              <a:spcAft>
+                <a:spcPts val="2400"/>
+              </a:spcAft>
+              <a:buFont typeface="Arial" panose="020B0604020202020204" pitchFamily="34" charset="0"/>
+              <a:buChar char="•"/>
+            </a:pPr>
+            <a:r>
+              <a:rPr lang="it-IT" kern="1200" dirty="0">
+                <a:latin typeface="Arial"/>
+                <a:cs typeface="Arial"/>
+              </a:rPr>
+              <a:t>Vincolo terminale di disuguaglianza</a:t>
+            </a:r>
+          </a:p>
+        </p:txBody>
+      </p:sp>
+      <p:pic>
+        <p:nvPicPr>
+          <p:cNvPr id="8" name="Immagine 7" descr="Immagine che contiene testo, diagramma, linea, Diagramma&#10;&#10;Descrizione generata automaticamente">
+            <a:extLst>
+              <a:ext uri="{FF2B5EF4-FFF2-40B4-BE49-F238E27FC236}">
+                <a16:creationId xmlns:a16="http://schemas.microsoft.com/office/drawing/2014/main" id="{428E465D-F981-0FB8-50F5-450165C74EAE}"/>
+              </a:ext>
+            </a:extLst>
+          </p:cNvPr>
+          <p:cNvPicPr>
+            <a:picLocks noChangeAspect="1"/>
+          </p:cNvPicPr>
+          <p:nvPr/>
+        </p:nvPicPr>
+        <p:blipFill>
+          <a:blip r:embed="rId3" cstate="print">
+            <a:extLst>
+              <a:ext uri="{28A0092B-C50C-407E-A947-70E740481C1C}">
+                <a14:useLocalDpi xmlns:a14="http://schemas.microsoft.com/office/drawing/2010/main" val="0"/>
+              </a:ext>
+            </a:extLst>
+          </a:blip>
+          <a:stretch>
+            <a:fillRect/>
+          </a:stretch>
+        </p:blipFill>
+        <p:spPr>
+          <a:xfrm>
+            <a:off x="3886200" y="1066800"/>
+            <a:ext cx="8041216" cy="5074461"/>
+          </a:xfrm>
+          <a:prstGeom prst="rect">
+            <a:avLst/>
+          </a:prstGeom>
+        </p:spPr>
+      </p:pic>
+    </p:spTree>
+    <p:extLst>
+      <p:ext uri="{BB962C8B-B14F-4D97-AF65-F5344CB8AC3E}">
+        <p14:creationId xmlns:p14="http://schemas.microsoft.com/office/powerpoint/2010/main" val="632964699"/>
+      </p:ext>
+    </p:extLst>
+  </p:cSld>
+  <p:clrMapOvr>
+    <a:masterClrMapping/>
+  </p:clrMapOvr>
+</p:sld>
+</file>
+
+<file path=ppt/slides/slide24.xml><?xml version="1.0" encoding="utf-8"?>
 <p:sld xmlns:a="http://schemas.openxmlformats.org/drawingml/2006/main" xmlns:r="http://schemas.openxmlformats.org/officeDocument/2006/relationships" xmlns:p="http://schemas.openxmlformats.org/presentationml/2006/main">
   <p:cSld>
     <p:bg>
@@ -5266,195 +6566,361 @@
           </a:p>
         </p:txBody>
       </p:sp>
-      <p:sp>
-        <p:nvSpPr>
-          <p:cNvPr id="4" name="CasellaDiTesto 3">
-            <a:extLst>
-              <a:ext uri="{FF2B5EF4-FFF2-40B4-BE49-F238E27FC236}">
-                <a16:creationId xmlns:a16="http://schemas.microsoft.com/office/drawing/2014/main" id="{CFCA10BB-2E8E-F197-60EB-5DA9806DF38B}"/>
-              </a:ext>
-            </a:extLst>
-          </p:cNvPr>
-          <p:cNvSpPr txBox="1"/>
-          <p:nvPr/>
-        </p:nvSpPr>
-        <p:spPr>
-          <a:xfrm>
-            <a:off x="1447800" y="1524000"/>
-            <a:ext cx="8458200" cy="3046988"/>
-          </a:xfrm>
-          <a:prstGeom prst="rect">
-            <a:avLst/>
-          </a:prstGeom>
-          <a:noFill/>
-        </p:spPr>
-        <p:txBody>
-          <a:bodyPr wrap="square" rtlCol="0">
-            <a:spAutoFit/>
-          </a:bodyPr>
-          <a:lstStyle/>
-          <a:p>
-            <a:pPr marL="285750" indent="-285750">
-              <a:buFont typeface="Arial" panose="020B0604020202020204" pitchFamily="34" charset="0"/>
-              <a:buChar char="•"/>
-            </a:pPr>
-            <a:r>
-              <a:rPr lang="it-IT" sz="2400" dirty="0">
-                <a:solidFill>
-                  <a:srgbClr val="172542"/>
-                </a:solidFill>
-                <a:latin typeface="Arial"/>
-                <a:cs typeface="Arial"/>
-              </a:rPr>
-              <a:t>La condizione iniziale è:</a:t>
-            </a:r>
-          </a:p>
-          <a:p>
-            <a:pPr marL="742950" lvl="1" indent="-285750">
-              <a:buFont typeface="Arial" panose="020B0604020202020204" pitchFamily="34" charset="0"/>
-              <a:buChar char="•"/>
-            </a:pPr>
-            <a:r>
-              <a:rPr lang="it-IT" sz="2400" dirty="0">
-                <a:solidFill>
-                  <a:srgbClr val="172542"/>
-                </a:solidFill>
-                <a:latin typeface="Arial"/>
-                <a:cs typeface="Arial"/>
-              </a:rPr>
-              <a:t>C</a:t>
-            </a:r>
-            <a:r>
-              <a:rPr lang="it-IT" sz="2400" baseline="-25000" dirty="0">
-                <a:solidFill>
-                  <a:srgbClr val="172542"/>
-                </a:solidFill>
-                <a:latin typeface="Arial"/>
-                <a:cs typeface="Arial"/>
-              </a:rPr>
-              <a:t>A</a:t>
-            </a:r>
-            <a:r>
-              <a:rPr lang="it-IT" sz="2400" dirty="0">
-                <a:solidFill>
-                  <a:srgbClr val="172542"/>
-                </a:solidFill>
-                <a:latin typeface="Arial"/>
-                <a:cs typeface="Arial"/>
-              </a:rPr>
-              <a:t>=0.853, concentrazione del reagente A misurata in mol/l</a:t>
-            </a:r>
-          </a:p>
-          <a:p>
-            <a:pPr marL="742950" lvl="1" indent="-285750">
-              <a:buFont typeface="Arial" panose="020B0604020202020204" pitchFamily="34" charset="0"/>
-              <a:buChar char="•"/>
-            </a:pPr>
-            <a:r>
-              <a:rPr lang="it-IT" sz="2400" dirty="0">
-                <a:solidFill>
-                  <a:srgbClr val="172542"/>
-                </a:solidFill>
-                <a:latin typeface="Arial"/>
-                <a:cs typeface="Arial"/>
-              </a:rPr>
-              <a:t>T=296.986, la temperatura nel reattore misurata in K </a:t>
-            </a:r>
-          </a:p>
-          <a:p>
-            <a:pPr marL="742950" lvl="1" indent="-285750">
-              <a:buFont typeface="Arial" panose="020B0604020202020204" pitchFamily="34" charset="0"/>
-              <a:buChar char="•"/>
-            </a:pPr>
-            <a:r>
-              <a:rPr lang="it-IT" sz="2400" dirty="0">
-                <a:solidFill>
-                  <a:srgbClr val="172542"/>
-                </a:solidFill>
-                <a:latin typeface="Arial"/>
-                <a:cs typeface="Arial"/>
-              </a:rPr>
-              <a:t>T</a:t>
-            </a:r>
-            <a:r>
-              <a:rPr lang="it-IT" sz="2400" baseline="-25000" dirty="0">
-                <a:solidFill>
-                  <a:srgbClr val="172542"/>
-                </a:solidFill>
-                <a:latin typeface="Arial"/>
-                <a:cs typeface="Arial"/>
-              </a:rPr>
-              <a:t>C</a:t>
-            </a:r>
-            <a:r>
-              <a:rPr lang="it-IT" sz="2400" dirty="0">
-                <a:solidFill>
-                  <a:srgbClr val="172542"/>
-                </a:solidFill>
-                <a:latin typeface="Arial"/>
-                <a:cs typeface="Arial"/>
-              </a:rPr>
-              <a:t>=292, la temperatura del liquido di raffreddamento nel rivestimento misurata in K.</a:t>
-            </a:r>
-          </a:p>
-          <a:p>
-            <a:pPr marL="285750" indent="-285750">
-              <a:buFont typeface="Arial" panose="020B0604020202020204" pitchFamily="34" charset="0"/>
-              <a:buChar char="•"/>
-            </a:pPr>
-            <a:r>
-              <a:rPr lang="it-IT" sz="2400" dirty="0">
-                <a:solidFill>
-                  <a:srgbClr val="172542"/>
-                </a:solidFill>
-                <a:latin typeface="Arial"/>
-                <a:cs typeface="Arial"/>
-              </a:rPr>
-              <a:t>Si vuole controllare il sistema all’equilibrio C</a:t>
-            </a:r>
-            <a:r>
-              <a:rPr lang="it-IT" sz="2400" baseline="-25000" dirty="0">
-                <a:solidFill>
-                  <a:srgbClr val="172542"/>
-                </a:solidFill>
-                <a:latin typeface="Arial"/>
-                <a:cs typeface="Arial"/>
-              </a:rPr>
-              <a:t>A</a:t>
-            </a:r>
-            <a:r>
-              <a:rPr lang="it-IT" sz="2400" dirty="0">
-                <a:solidFill>
-                  <a:srgbClr val="172542"/>
-                </a:solidFill>
-                <a:latin typeface="Arial"/>
-                <a:cs typeface="Arial"/>
-              </a:rPr>
-              <a:t>=0.5054, T=315.5491, T</a:t>
-            </a:r>
-            <a:r>
-              <a:rPr lang="it-IT" sz="2400" baseline="-25000" dirty="0">
-                <a:solidFill>
-                  <a:srgbClr val="172542"/>
-                </a:solidFill>
-                <a:latin typeface="Arial"/>
-                <a:cs typeface="Arial"/>
-              </a:rPr>
-              <a:t>C</a:t>
-            </a:r>
-            <a:r>
-              <a:rPr lang="it-IT" sz="2400" dirty="0">
-                <a:solidFill>
-                  <a:srgbClr val="172542"/>
-                </a:solidFill>
-                <a:latin typeface="Arial"/>
-                <a:cs typeface="Arial"/>
-              </a:rPr>
-              <a:t>=308.</a:t>
-            </a:r>
-          </a:p>
-        </p:txBody>
-      </p:sp>
+      <mc:AlternateContent xmlns:mc="http://schemas.openxmlformats.org/markup-compatibility/2006">
+        <mc:Choice xmlns:a14="http://schemas.microsoft.com/office/drawing/2010/main" Requires="a14">
+          <p:sp>
+            <p:nvSpPr>
+              <p:cNvPr id="4" name="CasellaDiTesto 3">
+                <a:extLst>
+                  <a:ext uri="{FF2B5EF4-FFF2-40B4-BE49-F238E27FC236}">
+                    <a16:creationId xmlns:a16="http://schemas.microsoft.com/office/drawing/2014/main" id="{CFCA10BB-2E8E-F197-60EB-5DA9806DF38B}"/>
+                  </a:ext>
+                </a:extLst>
+              </p:cNvPr>
+              <p:cNvSpPr txBox="1"/>
+              <p:nvPr/>
+            </p:nvSpPr>
+            <p:spPr>
+              <a:xfrm>
+                <a:off x="1447800" y="1524000"/>
+                <a:ext cx="9601200" cy="3449727"/>
+              </a:xfrm>
+              <a:prstGeom prst="rect">
+                <a:avLst/>
+              </a:prstGeom>
+              <a:noFill/>
+            </p:spPr>
+            <p:txBody>
+              <a:bodyPr wrap="square" rtlCol="0">
+                <a:spAutoFit/>
+              </a:bodyPr>
+              <a:lstStyle/>
+              <a:p>
+                <a:pPr marL="285750" indent="-285750">
+                  <a:buFont typeface="Arial" panose="020B0604020202020204" pitchFamily="34" charset="0"/>
+                  <a:buChar char="•"/>
+                </a:pPr>
+                <a:r>
+                  <a:rPr lang="it-IT" sz="2400" dirty="0">
+                    <a:solidFill>
+                      <a:srgbClr val="172542"/>
+                    </a:solidFill>
+                    <a:latin typeface="Arial"/>
+                    <a:cs typeface="Arial"/>
+                  </a:rPr>
+                  <a:t>La condizione iniziale è:</a:t>
+                </a:r>
+              </a:p>
+              <a:p>
+                <a:pPr marL="742950" lvl="1" indent="-285750">
+                  <a:buFont typeface="Arial" panose="020B0604020202020204" pitchFamily="34" charset="0"/>
+                  <a:buChar char="•"/>
+                </a:pPr>
+                <a:r>
+                  <a:rPr lang="it-IT" sz="2400" dirty="0">
+                    <a:solidFill>
+                      <a:srgbClr val="172542"/>
+                    </a:solidFill>
+                    <a:latin typeface="Arial"/>
+                    <a:cs typeface="Arial"/>
+                  </a:rPr>
+                  <a:t>C</a:t>
+                </a:r>
+                <a:r>
+                  <a:rPr lang="it-IT" sz="2400" baseline="-25000" dirty="0">
+                    <a:solidFill>
+                      <a:srgbClr val="172542"/>
+                    </a:solidFill>
+                    <a:latin typeface="Arial"/>
+                    <a:cs typeface="Arial"/>
+                  </a:rPr>
+                  <a:t>A</a:t>
+                </a:r>
+                <a:r>
+                  <a:rPr lang="it-IT" sz="2400" dirty="0">
+                    <a:solidFill>
+                      <a:srgbClr val="172542"/>
+                    </a:solidFill>
+                    <a:latin typeface="Arial"/>
+                    <a:cs typeface="Arial"/>
+                  </a:rPr>
+                  <a:t>=0.853 [mol/l], concentrazione del reagente A</a:t>
+                </a:r>
+              </a:p>
+              <a:p>
+                <a:pPr marL="742950" lvl="1" indent="-285750">
+                  <a:buFont typeface="Arial" panose="020B0604020202020204" pitchFamily="34" charset="0"/>
+                  <a:buChar char="•"/>
+                </a:pPr>
+                <a:r>
+                  <a:rPr lang="it-IT" sz="2400" dirty="0">
+                    <a:solidFill>
+                      <a:srgbClr val="172542"/>
+                    </a:solidFill>
+                    <a:latin typeface="Arial"/>
+                    <a:cs typeface="Arial"/>
+                  </a:rPr>
+                  <a:t>T=296.986 [K], la temperatura nel reattore</a:t>
+                </a:r>
+              </a:p>
+              <a:p>
+                <a:pPr marL="742950" lvl="1" indent="-285750">
+                  <a:buFont typeface="Arial" panose="020B0604020202020204" pitchFamily="34" charset="0"/>
+                  <a:buChar char="•"/>
+                </a:pPr>
+                <a:r>
+                  <a:rPr lang="it-IT" sz="2400" dirty="0">
+                    <a:solidFill>
+                      <a:srgbClr val="172542"/>
+                    </a:solidFill>
+                    <a:latin typeface="Arial"/>
+                    <a:cs typeface="Arial"/>
+                  </a:rPr>
+                  <a:t>T</a:t>
+                </a:r>
+                <a:r>
+                  <a:rPr lang="it-IT" sz="2400" baseline="-25000" dirty="0">
+                    <a:solidFill>
+                      <a:srgbClr val="172542"/>
+                    </a:solidFill>
+                    <a:latin typeface="Arial"/>
+                    <a:cs typeface="Arial"/>
+                  </a:rPr>
+                  <a:t>C</a:t>
+                </a:r>
+                <a:r>
+                  <a:rPr lang="it-IT" sz="2400" dirty="0">
+                    <a:solidFill>
+                      <a:srgbClr val="172542"/>
+                    </a:solidFill>
+                    <a:latin typeface="Arial"/>
+                    <a:cs typeface="Arial"/>
+                  </a:rPr>
+                  <a:t>=292 [K], la temperatura del liquido di raffreddamento nel rivestimento.</a:t>
+                </a:r>
+              </a:p>
+              <a:p>
+                <a:pPr marL="285750" indent="-285750">
+                  <a:buFont typeface="Arial" panose="020B0604020202020204" pitchFamily="34" charset="0"/>
+                  <a:buChar char="•"/>
+                </a:pPr>
+                <a:r>
+                  <a:rPr lang="it-IT" sz="2400" dirty="0">
+                    <a:solidFill>
+                      <a:srgbClr val="172542"/>
+                    </a:solidFill>
+                    <a:latin typeface="Arial"/>
+                    <a:cs typeface="Arial"/>
+                  </a:rPr>
+                  <a:t>Si vuole controllare il sistema all’equilibrio </a:t>
+                </a:r>
+              </a:p>
+              <a:p>
+                <a:pPr marL="742950" lvl="1" indent="-285750">
+                  <a:buFont typeface="Arial" panose="020B0604020202020204" pitchFamily="34" charset="0"/>
+                  <a:buChar char="•"/>
+                </a:pPr>
+                <a14:m>
+                  <m:oMath xmlns:m="http://schemas.openxmlformats.org/officeDocument/2006/math">
+                    <m:acc>
+                      <m:accPr>
+                        <m:chr m:val="̅"/>
+                        <m:ctrlPr>
+                          <a:rPr lang="it-IT" sz="2400" i="1" dirty="0" smtClean="0">
+                            <a:solidFill>
+                              <a:srgbClr val="172542"/>
+                            </a:solidFill>
+                            <a:latin typeface="Cambria Math" panose="02040503050406030204" pitchFamily="18" charset="0"/>
+                            <a:cs typeface="Arial"/>
+                          </a:rPr>
+                        </m:ctrlPr>
+                      </m:accPr>
+                      <m:e>
+                        <m:r>
+                          <a:rPr lang="en-GB" sz="2400" b="0" i="1" dirty="0" smtClean="0">
+                            <a:solidFill>
+                              <a:srgbClr val="172542"/>
+                            </a:solidFill>
+                            <a:latin typeface="Cambria Math" panose="02040503050406030204" pitchFamily="18" charset="0"/>
+                            <a:cs typeface="Arial"/>
+                          </a:rPr>
+                          <m:t>𝐶</m:t>
+                        </m:r>
+                      </m:e>
+                    </m:acc>
+                  </m:oMath>
+                </a14:m>
+                <a:r>
+                  <a:rPr lang="it-IT" sz="2400" baseline="-25000" dirty="0">
+                    <a:solidFill>
+                      <a:srgbClr val="172542"/>
+                    </a:solidFill>
+                    <a:latin typeface="Arial"/>
+                    <a:cs typeface="Arial"/>
+                  </a:rPr>
+                  <a:t>A</a:t>
+                </a:r>
+                <a:r>
+                  <a:rPr lang="it-IT" sz="2400" dirty="0">
+                    <a:solidFill>
+                      <a:srgbClr val="172542"/>
+                    </a:solidFill>
+                    <a:latin typeface="Arial"/>
+                    <a:cs typeface="Arial"/>
+                  </a:rPr>
+                  <a:t>=0.5054 [mol/l], </a:t>
+                </a:r>
+              </a:p>
+              <a:p>
+                <a:pPr marL="742950" lvl="1" indent="-285750">
+                  <a:buFont typeface="Arial" panose="020B0604020202020204" pitchFamily="34" charset="0"/>
+                  <a:buChar char="•"/>
+                </a:pPr>
+                <a14:m>
+                  <m:oMath xmlns:m="http://schemas.openxmlformats.org/officeDocument/2006/math">
+                    <m:acc>
+                      <m:accPr>
+                        <m:chr m:val="̅"/>
+                        <m:ctrlPr>
+                          <a:rPr lang="it-IT" sz="2400" i="1" dirty="0" smtClean="0">
+                            <a:solidFill>
+                              <a:srgbClr val="172542"/>
+                            </a:solidFill>
+                            <a:latin typeface="Cambria Math" panose="02040503050406030204" pitchFamily="18" charset="0"/>
+                            <a:cs typeface="Arial"/>
+                          </a:rPr>
+                        </m:ctrlPr>
+                      </m:accPr>
+                      <m:e>
+                        <m:r>
+                          <a:rPr lang="en-GB" sz="2400" b="0" i="1" dirty="0" smtClean="0">
+                            <a:solidFill>
+                              <a:srgbClr val="172542"/>
+                            </a:solidFill>
+                            <a:latin typeface="Cambria Math" panose="02040503050406030204" pitchFamily="18" charset="0"/>
+                            <a:cs typeface="Arial"/>
+                          </a:rPr>
+                          <m:t>𝑇</m:t>
+                        </m:r>
+                      </m:e>
+                    </m:acc>
+                  </m:oMath>
+                </a14:m>
+                <a:r>
+                  <a:rPr lang="it-IT" sz="2400" dirty="0">
+                    <a:solidFill>
+                      <a:srgbClr val="172542"/>
+                    </a:solidFill>
+                    <a:latin typeface="Arial"/>
+                    <a:cs typeface="Arial"/>
+                  </a:rPr>
+                  <a:t>=315.5491 [K], </a:t>
+                </a:r>
+              </a:p>
+              <a:p>
+                <a:pPr marL="742950" lvl="1" indent="-285750">
+                  <a:buFont typeface="Arial" panose="020B0604020202020204" pitchFamily="34" charset="0"/>
+                  <a:buChar char="•"/>
+                </a:pPr>
+                <a14:m>
+                  <m:oMath xmlns:m="http://schemas.openxmlformats.org/officeDocument/2006/math">
+                    <m:acc>
+                      <m:accPr>
+                        <m:chr m:val="̅"/>
+                        <m:ctrlPr>
+                          <a:rPr lang="it-IT" sz="2400" i="1" dirty="0" smtClean="0">
+                            <a:solidFill>
+                              <a:srgbClr val="172542"/>
+                            </a:solidFill>
+                            <a:latin typeface="Cambria Math" panose="02040503050406030204" pitchFamily="18" charset="0"/>
+                            <a:cs typeface="Arial"/>
+                          </a:rPr>
+                        </m:ctrlPr>
+                      </m:accPr>
+                      <m:e>
+                        <m:r>
+                          <a:rPr lang="en-GB" sz="2400" b="0" i="1" dirty="0" smtClean="0">
+                            <a:solidFill>
+                              <a:srgbClr val="172542"/>
+                            </a:solidFill>
+                            <a:latin typeface="Cambria Math" panose="02040503050406030204" pitchFamily="18" charset="0"/>
+                            <a:cs typeface="Arial"/>
+                          </a:rPr>
+                          <m:t>𝑇</m:t>
+                        </m:r>
+                      </m:e>
+                    </m:acc>
+                  </m:oMath>
+                </a14:m>
+                <a:r>
+                  <a:rPr lang="it-IT" sz="2400" baseline="-25000" dirty="0">
+                    <a:solidFill>
+                      <a:srgbClr val="172542"/>
+                    </a:solidFill>
+                    <a:latin typeface="Arial"/>
+                    <a:cs typeface="Arial"/>
+                  </a:rPr>
+                  <a:t>C</a:t>
+                </a:r>
+                <a:r>
+                  <a:rPr lang="it-IT" sz="2400" dirty="0">
+                    <a:solidFill>
+                      <a:srgbClr val="172542"/>
+                    </a:solidFill>
+                    <a:latin typeface="Arial"/>
+                    <a:cs typeface="Arial"/>
+                  </a:rPr>
+                  <a:t>=308 [K].</a:t>
+                </a:r>
+              </a:p>
+            </p:txBody>
+          </p:sp>
+        </mc:Choice>
+        <mc:Fallback>
+          <p:sp>
+            <p:nvSpPr>
+              <p:cNvPr id="4" name="CasellaDiTesto 3">
+                <a:extLst>
+                  <a:ext uri="{FF2B5EF4-FFF2-40B4-BE49-F238E27FC236}">
+                    <a16:creationId xmlns:a16="http://schemas.microsoft.com/office/drawing/2014/main" id="{CFCA10BB-2E8E-F197-60EB-5DA9806DF38B}"/>
+                  </a:ext>
+                </a:extLst>
+              </p:cNvPr>
+              <p:cNvSpPr txBox="1">
+                <a:spLocks noRot="1" noChangeAspect="1" noMove="1" noResize="1" noEditPoints="1" noAdjustHandles="1" noChangeArrowheads="1" noChangeShapeType="1" noTextEdit="1"/>
+              </p:cNvSpPr>
+              <p:nvPr/>
+            </p:nvSpPr>
+            <p:spPr>
+              <a:xfrm>
+                <a:off x="1447800" y="1524000"/>
+                <a:ext cx="9601200" cy="3449727"/>
+              </a:xfrm>
+              <a:prstGeom prst="rect">
+                <a:avLst/>
+              </a:prstGeom>
+              <a:blipFill>
+                <a:blip r:embed="rId2"/>
+                <a:stretch>
+                  <a:fillRect l="-889" t="-1237" b="-2297"/>
+                </a:stretch>
+              </a:blipFill>
+            </p:spPr>
+            <p:txBody>
+              <a:bodyPr/>
+              <a:lstStyle/>
+              <a:p>
+                <a:r>
+                  <a:rPr lang="it-IT">
+                    <a:noFill/>
+                  </a:rPr>
+                  <a:t> </a:t>
+                </a:r>
+              </a:p>
+            </p:txBody>
+          </p:sp>
+        </mc:Fallback>
+      </mc:AlternateContent>
     </p:spTree>
     <p:extLst>
       <p:ext uri="{BB962C8B-B14F-4D97-AF65-F5344CB8AC3E}">
@@ -5869,8 +7335,8 @@
           </a:p>
         </p:txBody>
       </p:sp>
-      <mc:AlternateContent xmlns:mc="http://schemas.openxmlformats.org/markup-compatibility/2006">
-        <mc:Choice xmlns:a14="http://schemas.microsoft.com/office/drawing/2010/main" Requires="a14">
+      <mc:AlternateContent xmlns:mc="http://schemas.openxmlformats.org/markup-compatibility/2006" xmlns:a14="http://schemas.microsoft.com/office/drawing/2010/main">
+        <mc:Choice Requires="a14">
           <p:sp>
             <p:nvSpPr>
               <p:cNvPr id="12" name="CasellaDiTesto 11">
@@ -5956,7 +7422,7 @@
             </p:txBody>
           </p:sp>
         </mc:Choice>
-        <mc:Fallback>
+        <mc:Fallback xmlns="">
           <p:sp>
             <p:nvSpPr>
               <p:cNvPr id="12" name="CasellaDiTesto 11">
